--- a/presentation.pptx
+++ b/presentation.pptx
@@ -6,6 +6,13 @@
   </p:sldMasterIdLst>
   <p:sldIdLst>
     <p:sldId id="256" r:id="rId2"/>
+    <p:sldId id="257" r:id="rId3"/>
+    <p:sldId id="258" r:id="rId4"/>
+    <p:sldId id="259" r:id="rId5"/>
+    <p:sldId id="260" r:id="rId6"/>
+    <p:sldId id="261" r:id="rId7"/>
+    <p:sldId id="262" r:id="rId8"/>
+    <p:sldId id="263" r:id="rId9"/>
   </p:sldIdLst>
   <p:sldSz cx="12192000" cy="6858000"/>
   <p:notesSz cx="6858000" cy="9144000"/>
@@ -104,6 +111,11 @@
       </a:defRPr>
     </a:lvl9pPr>
   </p:defaultTextStyle>
+  <p:extLst>
+    <p:ext uri="{EFAFB233-063F-42B5-8137-9DF3F51BA10A}">
+      <p15:sldGuideLst xmlns:p15="http://schemas.microsoft.com/office/powerpoint/2012/main"/>
+    </p:ext>
+  </p:extLst>
 </p:presentation>
 </file>
 
@@ -256,7 +268,7 @@
           <a:p>
             <a:fld id="{5E98E50B-2085-4514-ACB4-E28DA5C30080}" type="datetimeFigureOut">
               <a:rPr lang="en-US" smtClean="0"/>
-              <a:t>10/10/2023</a:t>
+              <a:t>10/31/2023</a:t>
             </a:fld>
             <a:endParaRPr lang="en-US"/>
           </a:p>
@@ -456,7 +468,7 @@
           <a:p>
             <a:fld id="{5E98E50B-2085-4514-ACB4-E28DA5C30080}" type="datetimeFigureOut">
               <a:rPr lang="en-US" smtClean="0"/>
-              <a:t>10/10/2023</a:t>
+              <a:t>10/31/2023</a:t>
             </a:fld>
             <a:endParaRPr lang="en-US"/>
           </a:p>
@@ -666,7 +678,7 @@
           <a:p>
             <a:fld id="{5E98E50B-2085-4514-ACB4-E28DA5C30080}" type="datetimeFigureOut">
               <a:rPr lang="en-US" smtClean="0"/>
-              <a:t>10/10/2023</a:t>
+              <a:t>10/31/2023</a:t>
             </a:fld>
             <a:endParaRPr lang="en-US"/>
           </a:p>
@@ -866,7 +878,7 @@
           <a:p>
             <a:fld id="{5E98E50B-2085-4514-ACB4-E28DA5C30080}" type="datetimeFigureOut">
               <a:rPr lang="en-US" smtClean="0"/>
-              <a:t>10/10/2023</a:t>
+              <a:t>10/31/2023</a:t>
             </a:fld>
             <a:endParaRPr lang="en-US"/>
           </a:p>
@@ -1142,7 +1154,7 @@
           <a:p>
             <a:fld id="{5E98E50B-2085-4514-ACB4-E28DA5C30080}" type="datetimeFigureOut">
               <a:rPr lang="en-US" smtClean="0"/>
-              <a:t>10/10/2023</a:t>
+              <a:t>10/31/2023</a:t>
             </a:fld>
             <a:endParaRPr lang="en-US"/>
           </a:p>
@@ -1410,7 +1422,7 @@
           <a:p>
             <a:fld id="{5E98E50B-2085-4514-ACB4-E28DA5C30080}" type="datetimeFigureOut">
               <a:rPr lang="en-US" smtClean="0"/>
-              <a:t>10/10/2023</a:t>
+              <a:t>10/31/2023</a:t>
             </a:fld>
             <a:endParaRPr lang="en-US"/>
           </a:p>
@@ -1825,7 +1837,7 @@
           <a:p>
             <a:fld id="{5E98E50B-2085-4514-ACB4-E28DA5C30080}" type="datetimeFigureOut">
               <a:rPr lang="en-US" smtClean="0"/>
-              <a:t>10/10/2023</a:t>
+              <a:t>10/31/2023</a:t>
             </a:fld>
             <a:endParaRPr lang="en-US"/>
           </a:p>
@@ -1967,7 +1979,7 @@
           <a:p>
             <a:fld id="{5E98E50B-2085-4514-ACB4-E28DA5C30080}" type="datetimeFigureOut">
               <a:rPr lang="en-US" smtClean="0"/>
-              <a:t>10/10/2023</a:t>
+              <a:t>10/31/2023</a:t>
             </a:fld>
             <a:endParaRPr lang="en-US"/>
           </a:p>
@@ -2080,7 +2092,7 @@
           <a:p>
             <a:fld id="{5E98E50B-2085-4514-ACB4-E28DA5C30080}" type="datetimeFigureOut">
               <a:rPr lang="en-US" smtClean="0"/>
-              <a:t>10/10/2023</a:t>
+              <a:t>10/31/2023</a:t>
             </a:fld>
             <a:endParaRPr lang="en-US"/>
           </a:p>
@@ -2393,7 +2405,7 @@
           <a:p>
             <a:fld id="{5E98E50B-2085-4514-ACB4-E28DA5C30080}" type="datetimeFigureOut">
               <a:rPr lang="en-US" smtClean="0"/>
-              <a:t>10/10/2023</a:t>
+              <a:t>10/31/2023</a:t>
             </a:fld>
             <a:endParaRPr lang="en-US"/>
           </a:p>
@@ -2682,7 +2694,7 @@
           <a:p>
             <a:fld id="{5E98E50B-2085-4514-ACB4-E28DA5C30080}" type="datetimeFigureOut">
               <a:rPr lang="en-US" smtClean="0"/>
-              <a:t>10/10/2023</a:t>
+              <a:t>10/31/2023</a:t>
             </a:fld>
             <a:endParaRPr lang="en-US"/>
           </a:p>
@@ -2925,7 +2937,7 @@
           <a:p>
             <a:fld id="{5E98E50B-2085-4514-ACB4-E28DA5C30080}" type="datetimeFigureOut">
               <a:rPr lang="en-US" smtClean="0"/>
-              <a:t>10/10/2023</a:t>
+              <a:t>10/31/2023</a:t>
             </a:fld>
             <a:endParaRPr lang="en-US"/>
           </a:p>
@@ -3363,7 +3375,11 @@
           <a:bodyPr/>
           <a:lstStyle/>
           <a:p>
-            <a:endParaRPr lang="en-US"/>
+            <a:r>
+              <a:rPr lang="ru-RU" dirty="0"/>
+              <a:t>Онлайн-школа</a:t>
+            </a:r>
+            <a:endParaRPr lang="en-US" dirty="0"/>
           </a:p>
         </p:txBody>
       </p:sp>
@@ -3388,7 +3404,15 @@
           <a:bodyPr/>
           <a:lstStyle/>
           <a:p>
-            <a:endParaRPr lang="en-US"/>
+            <a:r>
+              <a:rPr lang="ru-RU" dirty="0"/>
+              <a:t>проект </a:t>
+            </a:r>
+            <a:r>
+              <a:rPr lang="en-US" dirty="0" err="1"/>
+              <a:t>hexlet</a:t>
+            </a:r>
+            <a:endParaRPr lang="en-US" dirty="0"/>
           </a:p>
         </p:txBody>
       </p:sp>
@@ -3396,6 +3420,2427 @@
     <p:extLst>
       <p:ext uri="{BB962C8B-B14F-4D97-AF65-F5344CB8AC3E}">
         <p14:creationId xmlns:p14="http://schemas.microsoft.com/office/powerpoint/2010/main" val="1633517703"/>
+      </p:ext>
+    </p:extLst>
+  </p:cSld>
+  <p:clrMapOvr>
+    <a:masterClrMapping/>
+  </p:clrMapOvr>
+</p:sld>
+</file>
+
+<file path=ppt/slides/slide2.xml><?xml version="1.0" encoding="utf-8"?>
+<p:sld xmlns:a="http://schemas.openxmlformats.org/drawingml/2006/main" xmlns:r="http://schemas.openxmlformats.org/officeDocument/2006/relationships" xmlns:p="http://schemas.openxmlformats.org/presentationml/2006/main">
+  <p:cSld>
+    <p:spTree>
+      <p:nvGrpSpPr>
+        <p:cNvPr id="1" name=""/>
+        <p:cNvGrpSpPr/>
+        <p:nvPr/>
+      </p:nvGrpSpPr>
+      <p:grpSpPr>
+        <a:xfrm>
+          <a:off x="0" y="0"/>
+          <a:ext cx="0" cy="0"/>
+          <a:chOff x="0" y="0"/>
+          <a:chExt cx="0" cy="0"/>
+        </a:xfrm>
+      </p:grpSpPr>
+      <p:sp>
+        <p:nvSpPr>
+          <p:cNvPr id="2" name="Заголовок 1">
+            <a:extLst>
+              <a:ext uri="{FF2B5EF4-FFF2-40B4-BE49-F238E27FC236}">
+                <a16:creationId xmlns:a16="http://schemas.microsoft.com/office/drawing/2014/main" id="{2C7EF47C-4C99-994F-0E01-A7A2FEF9209F}"/>
+              </a:ext>
+            </a:extLst>
+          </p:cNvPr>
+          <p:cNvSpPr>
+            <a:spLocks noGrp="1"/>
+          </p:cNvSpPr>
+          <p:nvPr>
+            <p:ph type="title"/>
+          </p:nvPr>
+        </p:nvSpPr>
+        <p:spPr>
+          <a:xfrm>
+            <a:off x="614217" y="236055"/>
+            <a:ext cx="10515600" cy="1325563"/>
+          </a:xfrm>
+        </p:spPr>
+        <p:txBody>
+          <a:bodyPr>
+            <a:normAutofit/>
+          </a:bodyPr>
+          <a:lstStyle/>
+          <a:p>
+            <a:r>
+              <a:rPr lang="ru-RU" sz="2800" dirty="0"/>
+              <a:t>Окупаемость каналов</a:t>
+            </a:r>
+            <a:r>
+              <a:rPr lang="en-US" sz="2800" dirty="0"/>
+              <a:t> (</a:t>
+            </a:r>
+            <a:r>
+              <a:rPr lang="en-US" sz="2800" dirty="0" err="1"/>
+              <a:t>utm_source</a:t>
+            </a:r>
+            <a:r>
+              <a:rPr lang="en-US" sz="2800" dirty="0"/>
+              <a:t>)</a:t>
+            </a:r>
+          </a:p>
+        </p:txBody>
+      </p:sp>
+      <p:pic>
+        <p:nvPicPr>
+          <p:cNvPr id="17" name="Рисунок 16">
+            <a:extLst>
+              <a:ext uri="{FF2B5EF4-FFF2-40B4-BE49-F238E27FC236}">
+                <a16:creationId xmlns:a16="http://schemas.microsoft.com/office/drawing/2014/main" id="{B1D6956B-A54E-A9A3-581A-3417923FB701}"/>
+              </a:ext>
+            </a:extLst>
+          </p:cNvPr>
+          <p:cNvPicPr>
+            <a:picLocks noChangeAspect="1"/>
+          </p:cNvPicPr>
+          <p:nvPr/>
+        </p:nvPicPr>
+        <p:blipFill>
+          <a:blip r:embed="rId2"/>
+          <a:stretch>
+            <a:fillRect/>
+          </a:stretch>
+        </p:blipFill>
+        <p:spPr>
+          <a:xfrm>
+            <a:off x="934059" y="1791732"/>
+            <a:ext cx="2910226" cy="2533806"/>
+          </a:xfrm>
+          <a:prstGeom prst="rect">
+            <a:avLst/>
+          </a:prstGeom>
+        </p:spPr>
+      </p:pic>
+      <p:pic>
+        <p:nvPicPr>
+          <p:cNvPr id="19" name="Рисунок 18">
+            <a:extLst>
+              <a:ext uri="{FF2B5EF4-FFF2-40B4-BE49-F238E27FC236}">
+                <a16:creationId xmlns:a16="http://schemas.microsoft.com/office/drawing/2014/main" id="{A493EAC4-12E0-8D58-C302-705553180CD3}"/>
+              </a:ext>
+            </a:extLst>
+          </p:cNvPr>
+          <p:cNvPicPr>
+            <a:picLocks noChangeAspect="1"/>
+          </p:cNvPicPr>
+          <p:nvPr/>
+        </p:nvPicPr>
+        <p:blipFill>
+          <a:blip r:embed="rId3"/>
+          <a:stretch>
+            <a:fillRect/>
+          </a:stretch>
+        </p:blipFill>
+        <p:spPr>
+          <a:xfrm>
+            <a:off x="4726395" y="1955068"/>
+            <a:ext cx="2739210" cy="2370470"/>
+          </a:xfrm>
+          <a:prstGeom prst="rect">
+            <a:avLst/>
+          </a:prstGeom>
+        </p:spPr>
+      </p:pic>
+      <p:sp>
+        <p:nvSpPr>
+          <p:cNvPr id="20" name="TextBox 19">
+            <a:extLst>
+              <a:ext uri="{FF2B5EF4-FFF2-40B4-BE49-F238E27FC236}">
+                <a16:creationId xmlns:a16="http://schemas.microsoft.com/office/drawing/2014/main" id="{3DEB81BA-4115-F22E-6246-10A379198D1D}"/>
+              </a:ext>
+            </a:extLst>
+          </p:cNvPr>
+          <p:cNvSpPr txBox="1"/>
+          <p:nvPr/>
+        </p:nvSpPr>
+        <p:spPr>
+          <a:xfrm>
+            <a:off x="633108" y="1422400"/>
+            <a:ext cx="3512127" cy="369332"/>
+          </a:xfrm>
+          <a:prstGeom prst="rect">
+            <a:avLst/>
+          </a:prstGeom>
+          <a:noFill/>
+        </p:spPr>
+        <p:txBody>
+          <a:bodyPr wrap="square" rtlCol="0">
+            <a:spAutoFit/>
+          </a:bodyPr>
+          <a:lstStyle/>
+          <a:p>
+            <a:r>
+              <a:rPr lang="ru-RU" dirty="0"/>
+              <a:t>Затраты на рекламу</a:t>
+            </a:r>
+            <a:r>
+              <a:rPr lang="en-US" dirty="0"/>
+              <a:t> </a:t>
+            </a:r>
+            <a:r>
+              <a:rPr lang="en-US" dirty="0">
+                <a:solidFill>
+                  <a:srgbClr val="FF7C80"/>
+                </a:solidFill>
+              </a:rPr>
+              <a:t>-4,221,484</a:t>
+            </a:r>
+          </a:p>
+        </p:txBody>
+      </p:sp>
+      <p:sp>
+        <p:nvSpPr>
+          <p:cNvPr id="21" name="TextBox 20">
+            <a:extLst>
+              <a:ext uri="{FF2B5EF4-FFF2-40B4-BE49-F238E27FC236}">
+                <a16:creationId xmlns:a16="http://schemas.microsoft.com/office/drawing/2014/main" id="{3F27F739-F4D0-BDFB-D79C-17FA0FBD1D43}"/>
+              </a:ext>
+            </a:extLst>
+          </p:cNvPr>
+          <p:cNvSpPr txBox="1"/>
+          <p:nvPr/>
+        </p:nvSpPr>
+        <p:spPr>
+          <a:xfrm>
+            <a:off x="4898109" y="1422400"/>
+            <a:ext cx="2395782" cy="369332"/>
+          </a:xfrm>
+          <a:prstGeom prst="rect">
+            <a:avLst/>
+          </a:prstGeom>
+          <a:noFill/>
+        </p:spPr>
+        <p:txBody>
+          <a:bodyPr wrap="square" rtlCol="0">
+            <a:spAutoFit/>
+          </a:bodyPr>
+          <a:lstStyle/>
+          <a:p>
+            <a:r>
+              <a:rPr lang="ru-RU" dirty="0"/>
+              <a:t>Выручка</a:t>
+            </a:r>
+            <a:r>
+              <a:rPr lang="en-US" dirty="0"/>
+              <a:t> </a:t>
+            </a:r>
+            <a:r>
+              <a:rPr lang="en-US" dirty="0">
+                <a:solidFill>
+                  <a:srgbClr val="00B050"/>
+                </a:solidFill>
+              </a:rPr>
+              <a:t>+6,271,035</a:t>
+            </a:r>
+            <a:endParaRPr lang="ru-RU" dirty="0">
+              <a:solidFill>
+                <a:srgbClr val="00B050"/>
+              </a:solidFill>
+            </a:endParaRPr>
+          </a:p>
+        </p:txBody>
+      </p:sp>
+      <p:sp>
+        <p:nvSpPr>
+          <p:cNvPr id="29" name="TextBox 28">
+            <a:extLst>
+              <a:ext uri="{FF2B5EF4-FFF2-40B4-BE49-F238E27FC236}">
+                <a16:creationId xmlns:a16="http://schemas.microsoft.com/office/drawing/2014/main" id="{E64E126B-6F7C-3996-5E02-4F9FA5545B9B}"/>
+              </a:ext>
+            </a:extLst>
+          </p:cNvPr>
+          <p:cNvSpPr txBox="1"/>
+          <p:nvPr/>
+        </p:nvSpPr>
+        <p:spPr>
+          <a:xfrm>
+            <a:off x="9307963" y="1422400"/>
+            <a:ext cx="2262909" cy="369332"/>
+          </a:xfrm>
+          <a:prstGeom prst="rect">
+            <a:avLst/>
+          </a:prstGeom>
+          <a:noFill/>
+        </p:spPr>
+        <p:txBody>
+          <a:bodyPr wrap="square" rtlCol="0">
+            <a:spAutoFit/>
+          </a:bodyPr>
+          <a:lstStyle/>
+          <a:p>
+            <a:r>
+              <a:rPr lang="en-US" dirty="0"/>
+              <a:t>ROI </a:t>
+            </a:r>
+            <a:r>
+              <a:rPr lang="en-US" dirty="0">
+                <a:solidFill>
+                  <a:srgbClr val="00B050"/>
+                </a:solidFill>
+              </a:rPr>
+              <a:t>48,55%</a:t>
+            </a:r>
+          </a:p>
+        </p:txBody>
+      </p:sp>
+      <p:sp>
+        <p:nvSpPr>
+          <p:cNvPr id="30" name="TextBox 29">
+            <a:extLst>
+              <a:ext uri="{FF2B5EF4-FFF2-40B4-BE49-F238E27FC236}">
+                <a16:creationId xmlns:a16="http://schemas.microsoft.com/office/drawing/2014/main" id="{89044DB8-3470-1231-3B95-2AF76C6404C0}"/>
+              </a:ext>
+            </a:extLst>
+          </p:cNvPr>
+          <p:cNvSpPr txBox="1"/>
+          <p:nvPr/>
+        </p:nvSpPr>
+        <p:spPr>
+          <a:xfrm>
+            <a:off x="332509" y="5112434"/>
+            <a:ext cx="11185236" cy="646331"/>
+          </a:xfrm>
+          <a:prstGeom prst="rect">
+            <a:avLst/>
+          </a:prstGeom>
+          <a:noFill/>
+        </p:spPr>
+        <p:txBody>
+          <a:bodyPr wrap="square" rtlCol="0">
+            <a:spAutoFit/>
+          </a:bodyPr>
+          <a:lstStyle/>
+          <a:p>
+            <a:r>
+              <a:rPr lang="en-US" dirty="0"/>
+              <a:t>- </a:t>
+            </a:r>
+            <a:r>
+              <a:rPr lang="ru-RU" dirty="0"/>
+              <a:t>рекламная кампания была проведена за месяц у двух компаний</a:t>
+            </a:r>
+            <a:r>
+              <a:rPr lang="en-US" dirty="0"/>
+              <a:t>:</a:t>
+            </a:r>
+            <a:r>
+              <a:rPr lang="ru-RU" dirty="0"/>
+              <a:t> </a:t>
+            </a:r>
+            <a:r>
+              <a:rPr lang="en-US" dirty="0"/>
+              <a:t>Yandex </a:t>
+            </a:r>
+            <a:r>
+              <a:rPr lang="ru-RU" dirty="0"/>
+              <a:t>и </a:t>
+            </a:r>
+            <a:r>
+              <a:rPr lang="en-US" dirty="0"/>
+              <a:t>VK;</a:t>
+            </a:r>
+          </a:p>
+          <a:p>
+            <a:r>
+              <a:rPr lang="en-US" dirty="0"/>
+              <a:t>- ROI &gt; 0, </a:t>
+            </a:r>
+            <a:r>
+              <a:rPr lang="ru-RU" dirty="0"/>
+              <a:t>значит оба канала </a:t>
+            </a:r>
+            <a:r>
+              <a:rPr lang="ru-RU" dirty="0">
+                <a:solidFill>
+                  <a:srgbClr val="00B050"/>
+                </a:solidFill>
+              </a:rPr>
+              <a:t>окупаемы</a:t>
+            </a:r>
+            <a:r>
+              <a:rPr lang="ru-RU" dirty="0"/>
+              <a:t>, для </a:t>
+            </a:r>
+            <a:r>
+              <a:rPr lang="en-US" dirty="0"/>
+              <a:t>Yandex ROI</a:t>
+            </a:r>
+            <a:r>
+              <a:rPr lang="ru-RU" dirty="0"/>
+              <a:t> </a:t>
+            </a:r>
+            <a:r>
+              <a:rPr lang="en-US" dirty="0"/>
+              <a:t>=</a:t>
+            </a:r>
+            <a:r>
+              <a:rPr lang="ru-RU" dirty="0"/>
+              <a:t> 55,30%,</a:t>
+            </a:r>
+            <a:r>
+              <a:rPr lang="en-US" dirty="0"/>
+              <a:t> </a:t>
+            </a:r>
+            <a:r>
+              <a:rPr lang="ru-RU" dirty="0"/>
+              <a:t>для </a:t>
+            </a:r>
+            <a:r>
+              <a:rPr lang="en-US" dirty="0"/>
+              <a:t>VK ROI = 44.70%</a:t>
+            </a:r>
+            <a:r>
+              <a:rPr lang="ru-RU" dirty="0"/>
+              <a:t> </a:t>
+            </a:r>
+            <a:endParaRPr lang="en-US" dirty="0"/>
+          </a:p>
+        </p:txBody>
+      </p:sp>
+      <p:pic>
+        <p:nvPicPr>
+          <p:cNvPr id="32" name="Рисунок 31">
+            <a:extLst>
+              <a:ext uri="{FF2B5EF4-FFF2-40B4-BE49-F238E27FC236}">
+                <a16:creationId xmlns:a16="http://schemas.microsoft.com/office/drawing/2014/main" id="{57A45B1E-F2D6-F81D-CCE0-592A7D3B87E4}"/>
+              </a:ext>
+            </a:extLst>
+          </p:cNvPr>
+          <p:cNvPicPr>
+            <a:picLocks noChangeAspect="1"/>
+          </p:cNvPicPr>
+          <p:nvPr/>
+        </p:nvPicPr>
+        <p:blipFill>
+          <a:blip r:embed="rId4"/>
+          <a:stretch>
+            <a:fillRect/>
+          </a:stretch>
+        </p:blipFill>
+        <p:spPr>
+          <a:xfrm>
+            <a:off x="7769759" y="1791731"/>
+            <a:ext cx="4380084" cy="2533805"/>
+          </a:xfrm>
+          <a:prstGeom prst="rect">
+            <a:avLst/>
+          </a:prstGeom>
+        </p:spPr>
+      </p:pic>
+    </p:spTree>
+    <p:extLst>
+      <p:ext uri="{BB962C8B-B14F-4D97-AF65-F5344CB8AC3E}">
+        <p14:creationId xmlns:p14="http://schemas.microsoft.com/office/powerpoint/2010/main" val="1121571445"/>
+      </p:ext>
+    </p:extLst>
+  </p:cSld>
+  <p:clrMapOvr>
+    <a:masterClrMapping/>
+  </p:clrMapOvr>
+</p:sld>
+</file>
+
+<file path=ppt/slides/slide3.xml><?xml version="1.0" encoding="utf-8"?>
+<p:sld xmlns:a="http://schemas.openxmlformats.org/drawingml/2006/main" xmlns:r="http://schemas.openxmlformats.org/officeDocument/2006/relationships" xmlns:p="http://schemas.openxmlformats.org/presentationml/2006/main">
+  <p:cSld>
+    <p:spTree>
+      <p:nvGrpSpPr>
+        <p:cNvPr id="1" name=""/>
+        <p:cNvGrpSpPr/>
+        <p:nvPr/>
+      </p:nvGrpSpPr>
+      <p:grpSpPr>
+        <a:xfrm>
+          <a:off x="0" y="0"/>
+          <a:ext cx="0" cy="0"/>
+          <a:chOff x="0" y="0"/>
+          <a:chExt cx="0" cy="0"/>
+        </a:xfrm>
+      </p:grpSpPr>
+      <p:sp>
+        <p:nvSpPr>
+          <p:cNvPr id="5" name="Заголовок 1">
+            <a:extLst>
+              <a:ext uri="{FF2B5EF4-FFF2-40B4-BE49-F238E27FC236}">
+                <a16:creationId xmlns:a16="http://schemas.microsoft.com/office/drawing/2014/main" id="{E436DE4A-18BD-B8DA-05BE-BAD157F1052F}"/>
+              </a:ext>
+            </a:extLst>
+          </p:cNvPr>
+          <p:cNvSpPr>
+            <a:spLocks noGrp="1"/>
+          </p:cNvSpPr>
+          <p:nvPr>
+            <p:ph type="title"/>
+          </p:nvPr>
+        </p:nvSpPr>
+        <p:spPr>
+          <a:xfrm>
+            <a:off x="614217" y="236055"/>
+            <a:ext cx="10515600" cy="1325563"/>
+          </a:xfrm>
+        </p:spPr>
+        <p:txBody>
+          <a:bodyPr>
+            <a:normAutofit/>
+          </a:bodyPr>
+          <a:lstStyle/>
+          <a:p>
+            <a:r>
+              <a:rPr lang="ru-RU" sz="2800" dirty="0"/>
+              <a:t>Окупаемость каналов</a:t>
+            </a:r>
+            <a:r>
+              <a:rPr lang="en-US" sz="2800" dirty="0"/>
+              <a:t> (</a:t>
+            </a:r>
+            <a:r>
+              <a:rPr lang="en-US" sz="2800" dirty="0" err="1"/>
+              <a:t>utm_medium</a:t>
+            </a:r>
+            <a:r>
+              <a:rPr lang="en-US" sz="2800" dirty="0"/>
+              <a:t>)</a:t>
+            </a:r>
+          </a:p>
+        </p:txBody>
+      </p:sp>
+      <p:pic>
+        <p:nvPicPr>
+          <p:cNvPr id="7" name="Рисунок 6">
+            <a:extLst>
+              <a:ext uri="{FF2B5EF4-FFF2-40B4-BE49-F238E27FC236}">
+                <a16:creationId xmlns:a16="http://schemas.microsoft.com/office/drawing/2014/main" id="{07CA8F3A-BEE0-70EB-4849-068A7815AF65}"/>
+              </a:ext>
+            </a:extLst>
+          </p:cNvPr>
+          <p:cNvPicPr>
+            <a:picLocks noChangeAspect="1"/>
+          </p:cNvPicPr>
+          <p:nvPr/>
+        </p:nvPicPr>
+        <p:blipFill>
+          <a:blip r:embed="rId2"/>
+          <a:stretch>
+            <a:fillRect/>
+          </a:stretch>
+        </p:blipFill>
+        <p:spPr>
+          <a:xfrm>
+            <a:off x="1163783" y="1791732"/>
+            <a:ext cx="2743382" cy="2807181"/>
+          </a:xfrm>
+          <a:prstGeom prst="rect">
+            <a:avLst/>
+          </a:prstGeom>
+        </p:spPr>
+      </p:pic>
+      <p:pic>
+        <p:nvPicPr>
+          <p:cNvPr id="9" name="Рисунок 8">
+            <a:extLst>
+              <a:ext uri="{FF2B5EF4-FFF2-40B4-BE49-F238E27FC236}">
+                <a16:creationId xmlns:a16="http://schemas.microsoft.com/office/drawing/2014/main" id="{C1F188CA-F932-907B-441C-29186031A64A}"/>
+              </a:ext>
+            </a:extLst>
+          </p:cNvPr>
+          <p:cNvPicPr>
+            <a:picLocks noChangeAspect="1"/>
+          </p:cNvPicPr>
+          <p:nvPr/>
+        </p:nvPicPr>
+        <p:blipFill>
+          <a:blip r:embed="rId3"/>
+          <a:stretch>
+            <a:fillRect/>
+          </a:stretch>
+        </p:blipFill>
+        <p:spPr>
+          <a:xfrm>
+            <a:off x="7293891" y="1791731"/>
+            <a:ext cx="2929486" cy="2807181"/>
+          </a:xfrm>
+          <a:prstGeom prst="rect">
+            <a:avLst/>
+          </a:prstGeom>
+        </p:spPr>
+      </p:pic>
+      <p:sp>
+        <p:nvSpPr>
+          <p:cNvPr id="10" name="TextBox 9">
+            <a:extLst>
+              <a:ext uri="{FF2B5EF4-FFF2-40B4-BE49-F238E27FC236}">
+                <a16:creationId xmlns:a16="http://schemas.microsoft.com/office/drawing/2014/main" id="{5A21EA85-FED3-D060-BC10-2C63435DE840}"/>
+              </a:ext>
+            </a:extLst>
+          </p:cNvPr>
+          <p:cNvSpPr txBox="1"/>
+          <p:nvPr/>
+        </p:nvSpPr>
+        <p:spPr>
+          <a:xfrm>
+            <a:off x="614217" y="1492009"/>
+            <a:ext cx="3512127" cy="369332"/>
+          </a:xfrm>
+          <a:prstGeom prst="rect">
+            <a:avLst/>
+          </a:prstGeom>
+          <a:noFill/>
+        </p:spPr>
+        <p:txBody>
+          <a:bodyPr wrap="square" rtlCol="0">
+            <a:spAutoFit/>
+          </a:bodyPr>
+          <a:lstStyle/>
+          <a:p>
+            <a:r>
+              <a:rPr lang="ru-RU" dirty="0"/>
+              <a:t>Затраты на рекламу</a:t>
+            </a:r>
+            <a:r>
+              <a:rPr lang="en-US" dirty="0"/>
+              <a:t> </a:t>
+            </a:r>
+            <a:r>
+              <a:rPr lang="en-US" dirty="0">
+                <a:solidFill>
+                  <a:srgbClr val="FF7C80"/>
+                </a:solidFill>
+              </a:rPr>
+              <a:t>-4,221,484</a:t>
+            </a:r>
+          </a:p>
+        </p:txBody>
+      </p:sp>
+      <p:sp>
+        <p:nvSpPr>
+          <p:cNvPr id="11" name="TextBox 10">
+            <a:extLst>
+              <a:ext uri="{FF2B5EF4-FFF2-40B4-BE49-F238E27FC236}">
+                <a16:creationId xmlns:a16="http://schemas.microsoft.com/office/drawing/2014/main" id="{0AEBACC0-EFE3-83EE-27BA-8ADC54BDDB8E}"/>
+              </a:ext>
+            </a:extLst>
+          </p:cNvPr>
+          <p:cNvSpPr txBox="1"/>
+          <p:nvPr/>
+        </p:nvSpPr>
+        <p:spPr>
+          <a:xfrm>
+            <a:off x="7645734" y="1422399"/>
+            <a:ext cx="2395782" cy="369332"/>
+          </a:xfrm>
+          <a:prstGeom prst="rect">
+            <a:avLst/>
+          </a:prstGeom>
+          <a:noFill/>
+        </p:spPr>
+        <p:txBody>
+          <a:bodyPr wrap="square" rtlCol="0">
+            <a:spAutoFit/>
+          </a:bodyPr>
+          <a:lstStyle/>
+          <a:p>
+            <a:r>
+              <a:rPr lang="ru-RU" dirty="0"/>
+              <a:t>Выручка</a:t>
+            </a:r>
+            <a:r>
+              <a:rPr lang="en-US" dirty="0"/>
+              <a:t> </a:t>
+            </a:r>
+            <a:r>
+              <a:rPr lang="en-US" dirty="0">
+                <a:solidFill>
+                  <a:srgbClr val="00B050"/>
+                </a:solidFill>
+              </a:rPr>
+              <a:t>+6,271,035</a:t>
+            </a:r>
+            <a:endParaRPr lang="ru-RU" dirty="0">
+              <a:solidFill>
+                <a:srgbClr val="00B050"/>
+              </a:solidFill>
+            </a:endParaRPr>
+          </a:p>
+        </p:txBody>
+      </p:sp>
+      <p:sp>
+        <p:nvSpPr>
+          <p:cNvPr id="13" name="TextBox 12">
+            <a:extLst>
+              <a:ext uri="{FF2B5EF4-FFF2-40B4-BE49-F238E27FC236}">
+                <a16:creationId xmlns:a16="http://schemas.microsoft.com/office/drawing/2014/main" id="{3A61D5E2-E6AB-16AF-4EF7-4DF3AA543812}"/>
+              </a:ext>
+            </a:extLst>
+          </p:cNvPr>
+          <p:cNvSpPr txBox="1"/>
+          <p:nvPr/>
+        </p:nvSpPr>
+        <p:spPr>
+          <a:xfrm>
+            <a:off x="332509" y="5112434"/>
+            <a:ext cx="11185236" cy="1477328"/>
+          </a:xfrm>
+          <a:prstGeom prst="rect">
+            <a:avLst/>
+          </a:prstGeom>
+          <a:noFill/>
+        </p:spPr>
+        <p:txBody>
+          <a:bodyPr wrap="square" rtlCol="0">
+            <a:spAutoFit/>
+          </a:bodyPr>
+          <a:lstStyle/>
+          <a:p>
+            <a:r>
+              <a:rPr lang="en-US" dirty="0"/>
+              <a:t>- </a:t>
+            </a:r>
+            <a:r>
+              <a:rPr lang="ru-RU" dirty="0"/>
+              <a:t>по каналам </a:t>
+            </a:r>
+            <a:r>
+              <a:rPr lang="en-US" dirty="0" err="1"/>
+              <a:t>utm_medium</a:t>
+            </a:r>
+            <a:r>
+              <a:rPr lang="en-US" dirty="0"/>
+              <a:t> </a:t>
+            </a:r>
+            <a:r>
+              <a:rPr lang="ru-RU" dirty="0"/>
+              <a:t>картина складывается иная, видно, что основные затраты на рекламу легли на </a:t>
+            </a:r>
+            <a:r>
+              <a:rPr lang="en-US" dirty="0" err="1"/>
+              <a:t>cpc</a:t>
+            </a:r>
+            <a:r>
+              <a:rPr lang="en-US" dirty="0"/>
+              <a:t> </a:t>
+            </a:r>
+            <a:r>
+              <a:rPr lang="ru-RU" dirty="0"/>
+              <a:t>и составляют 99,9%, но именно этот канал приносит основной доход, </a:t>
+            </a:r>
+            <a:r>
+              <a:rPr lang="en-US" dirty="0"/>
+              <a:t>ROI </a:t>
+            </a:r>
+            <a:r>
+              <a:rPr lang="ru-RU" dirty="0"/>
+              <a:t>составляет 43,12%, он</a:t>
+            </a:r>
+            <a:r>
+              <a:rPr lang="ru-RU" dirty="0">
+                <a:solidFill>
+                  <a:schemeClr val="accent6">
+                    <a:lumMod val="75000"/>
+                  </a:schemeClr>
+                </a:solidFill>
+              </a:rPr>
+              <a:t> </a:t>
+            </a:r>
+            <a:r>
+              <a:rPr lang="ru-RU" dirty="0">
+                <a:solidFill>
+                  <a:srgbClr val="00B050"/>
+                </a:solidFill>
+              </a:rPr>
+              <a:t>окупаем</a:t>
+            </a:r>
+            <a:r>
+              <a:rPr lang="en-US" dirty="0"/>
+              <a:t>;</a:t>
+            </a:r>
+            <a:endParaRPr lang="ru-RU" dirty="0"/>
+          </a:p>
+          <a:p>
+            <a:r>
+              <a:rPr lang="ru-RU" dirty="0"/>
+              <a:t>- канал </a:t>
+            </a:r>
+            <a:r>
+              <a:rPr lang="en-US" dirty="0" err="1"/>
+              <a:t>cpm</a:t>
+            </a:r>
+            <a:r>
+              <a:rPr lang="ru-RU" dirty="0"/>
+              <a:t> не приносит дохода, поэтому его можно </a:t>
+            </a:r>
+            <a:r>
+              <a:rPr lang="ru-RU" dirty="0">
+                <a:solidFill>
+                  <a:srgbClr val="FF7C80"/>
+                </a:solidFill>
+              </a:rPr>
+              <a:t>отключить</a:t>
+            </a:r>
+            <a:r>
+              <a:rPr lang="en-US" dirty="0"/>
+              <a:t>;</a:t>
+            </a:r>
+            <a:endParaRPr lang="ru-RU" dirty="0"/>
+          </a:p>
+          <a:p>
+            <a:r>
+              <a:rPr lang="ru-RU" dirty="0"/>
+              <a:t>- также выручку принесли ещё 2 канала, </a:t>
+            </a:r>
+            <a:r>
+              <a:rPr lang="en-US" dirty="0"/>
+              <a:t>social </a:t>
+            </a:r>
+            <a:r>
+              <a:rPr lang="ru-RU" dirty="0"/>
+              <a:t>и </a:t>
+            </a:r>
+            <a:r>
+              <a:rPr lang="en-US" dirty="0" err="1"/>
+              <a:t>cpp</a:t>
+            </a:r>
+            <a:r>
+              <a:rPr lang="ru-RU" dirty="0"/>
+              <a:t>, из-за отсутствия расходов на рекламу </a:t>
+            </a:r>
+            <a:r>
+              <a:rPr lang="en-US" dirty="0"/>
+              <a:t>ROI </a:t>
+            </a:r>
+            <a:r>
+              <a:rPr lang="ru-RU" dirty="0"/>
+              <a:t>рассчитать не удастся, но с этими каналами </a:t>
+            </a:r>
+            <a:r>
+              <a:rPr lang="ru-RU" dirty="0">
+                <a:solidFill>
+                  <a:srgbClr val="00B050"/>
+                </a:solidFill>
+              </a:rPr>
+              <a:t>стоит поработать </a:t>
+            </a:r>
+            <a:r>
+              <a:rPr lang="ru-RU" dirty="0"/>
+              <a:t>в долгосрочной перспективе.</a:t>
+            </a:r>
+            <a:endParaRPr lang="en-US" dirty="0"/>
+          </a:p>
+        </p:txBody>
+      </p:sp>
+    </p:spTree>
+    <p:extLst>
+      <p:ext uri="{BB962C8B-B14F-4D97-AF65-F5344CB8AC3E}">
+        <p14:creationId xmlns:p14="http://schemas.microsoft.com/office/powerpoint/2010/main" val="3328131311"/>
+      </p:ext>
+    </p:extLst>
+  </p:cSld>
+  <p:clrMapOvr>
+    <a:masterClrMapping/>
+  </p:clrMapOvr>
+</p:sld>
+</file>
+
+<file path=ppt/slides/slide4.xml><?xml version="1.0" encoding="utf-8"?>
+<p:sld xmlns:a="http://schemas.openxmlformats.org/drawingml/2006/main" xmlns:r="http://schemas.openxmlformats.org/officeDocument/2006/relationships" xmlns:p="http://schemas.openxmlformats.org/presentationml/2006/main">
+  <p:cSld>
+    <p:spTree>
+      <p:nvGrpSpPr>
+        <p:cNvPr id="1" name=""/>
+        <p:cNvGrpSpPr/>
+        <p:nvPr/>
+      </p:nvGrpSpPr>
+      <p:grpSpPr>
+        <a:xfrm>
+          <a:off x="0" y="0"/>
+          <a:ext cx="0" cy="0"/>
+          <a:chOff x="0" y="0"/>
+          <a:chExt cx="0" cy="0"/>
+        </a:xfrm>
+      </p:grpSpPr>
+      <p:sp>
+        <p:nvSpPr>
+          <p:cNvPr id="4" name="Заголовок 1">
+            <a:extLst>
+              <a:ext uri="{FF2B5EF4-FFF2-40B4-BE49-F238E27FC236}">
+                <a16:creationId xmlns:a16="http://schemas.microsoft.com/office/drawing/2014/main" id="{260634B1-88A4-A720-9BB1-3A87D9CC452E}"/>
+              </a:ext>
+            </a:extLst>
+          </p:cNvPr>
+          <p:cNvSpPr txBox="1">
+            <a:spLocks/>
+          </p:cNvSpPr>
+          <p:nvPr/>
+        </p:nvSpPr>
+        <p:spPr>
+          <a:xfrm>
+            <a:off x="614217" y="236055"/>
+            <a:ext cx="10515600" cy="1325563"/>
+          </a:xfrm>
+          <a:prstGeom prst="rect">
+            <a:avLst/>
+          </a:prstGeom>
+        </p:spPr>
+        <p:txBody>
+          <a:bodyPr vert="horz" lIns="91440" tIns="45720" rIns="91440" bIns="45720" rtlCol="0" anchor="ctr">
+            <a:normAutofit/>
+          </a:bodyPr>
+          <a:lstStyle>
+            <a:lvl1pPr algn="l" defTabSz="914400" rtl="0" eaLnBrk="1" latinLnBrk="0" hangingPunct="1">
+              <a:lnSpc>
+                <a:spcPct val="90000"/>
+              </a:lnSpc>
+              <a:spcBef>
+                <a:spcPct val="0"/>
+              </a:spcBef>
+              <a:buNone/>
+              <a:defRPr sz="4400" kern="1200">
+                <a:solidFill>
+                  <a:schemeClr val="tx1"/>
+                </a:solidFill>
+                <a:latin typeface="+mj-lt"/>
+                <a:ea typeface="+mj-ea"/>
+                <a:cs typeface="+mj-cs"/>
+              </a:defRPr>
+            </a:lvl1pPr>
+          </a:lstStyle>
+          <a:p>
+            <a:r>
+              <a:rPr lang="ru-RU" sz="2800" dirty="0"/>
+              <a:t>Окупаемость каналов</a:t>
+            </a:r>
+            <a:r>
+              <a:rPr lang="en-US" sz="2800" dirty="0"/>
+              <a:t> (</a:t>
+            </a:r>
+            <a:r>
+              <a:rPr lang="en-US" sz="2800" dirty="0" err="1"/>
+              <a:t>utm_campaign</a:t>
+            </a:r>
+            <a:r>
+              <a:rPr lang="en-US" sz="2800" dirty="0"/>
+              <a:t>)</a:t>
+            </a:r>
+          </a:p>
+        </p:txBody>
+      </p:sp>
+      <p:sp>
+        <p:nvSpPr>
+          <p:cNvPr id="7" name="TextBox 6">
+            <a:extLst>
+              <a:ext uri="{FF2B5EF4-FFF2-40B4-BE49-F238E27FC236}">
+                <a16:creationId xmlns:a16="http://schemas.microsoft.com/office/drawing/2014/main" id="{704F02AC-E453-646A-D1A8-BFE4AC20AA95}"/>
+              </a:ext>
+            </a:extLst>
+          </p:cNvPr>
+          <p:cNvSpPr txBox="1"/>
+          <p:nvPr/>
+        </p:nvSpPr>
+        <p:spPr>
+          <a:xfrm>
+            <a:off x="633108" y="1422400"/>
+            <a:ext cx="3512127" cy="369332"/>
+          </a:xfrm>
+          <a:prstGeom prst="rect">
+            <a:avLst/>
+          </a:prstGeom>
+          <a:noFill/>
+        </p:spPr>
+        <p:txBody>
+          <a:bodyPr wrap="square" rtlCol="0">
+            <a:spAutoFit/>
+          </a:bodyPr>
+          <a:lstStyle/>
+          <a:p>
+            <a:r>
+              <a:rPr lang="ru-RU" dirty="0"/>
+              <a:t>Затраты на рекламу</a:t>
+            </a:r>
+            <a:r>
+              <a:rPr lang="en-US" dirty="0"/>
+              <a:t> </a:t>
+            </a:r>
+            <a:r>
+              <a:rPr lang="en-US" dirty="0">
+                <a:solidFill>
+                  <a:srgbClr val="FF7C80"/>
+                </a:solidFill>
+              </a:rPr>
+              <a:t>-4,221,484</a:t>
+            </a:r>
+          </a:p>
+        </p:txBody>
+      </p:sp>
+      <p:sp>
+        <p:nvSpPr>
+          <p:cNvPr id="8" name="TextBox 7">
+            <a:extLst>
+              <a:ext uri="{FF2B5EF4-FFF2-40B4-BE49-F238E27FC236}">
+                <a16:creationId xmlns:a16="http://schemas.microsoft.com/office/drawing/2014/main" id="{FB19EE46-625C-A0FE-016D-6320CAA0D3CB}"/>
+              </a:ext>
+            </a:extLst>
+          </p:cNvPr>
+          <p:cNvSpPr txBox="1"/>
+          <p:nvPr/>
+        </p:nvSpPr>
+        <p:spPr>
+          <a:xfrm>
+            <a:off x="4898109" y="1422400"/>
+            <a:ext cx="2395782" cy="369332"/>
+          </a:xfrm>
+          <a:prstGeom prst="rect">
+            <a:avLst/>
+          </a:prstGeom>
+          <a:noFill/>
+        </p:spPr>
+        <p:txBody>
+          <a:bodyPr wrap="square" rtlCol="0">
+            <a:spAutoFit/>
+          </a:bodyPr>
+          <a:lstStyle/>
+          <a:p>
+            <a:r>
+              <a:rPr lang="ru-RU" dirty="0"/>
+              <a:t>Выручка</a:t>
+            </a:r>
+            <a:r>
+              <a:rPr lang="en-US" dirty="0"/>
+              <a:t> </a:t>
+            </a:r>
+            <a:r>
+              <a:rPr lang="en-US" dirty="0">
+                <a:solidFill>
+                  <a:srgbClr val="00B050"/>
+                </a:solidFill>
+              </a:rPr>
+              <a:t>+6,271,035</a:t>
+            </a:r>
+            <a:endParaRPr lang="ru-RU" dirty="0">
+              <a:solidFill>
+                <a:srgbClr val="00B050"/>
+              </a:solidFill>
+            </a:endParaRPr>
+          </a:p>
+        </p:txBody>
+      </p:sp>
+      <p:pic>
+        <p:nvPicPr>
+          <p:cNvPr id="18" name="Рисунок 17">
+            <a:extLst>
+              <a:ext uri="{FF2B5EF4-FFF2-40B4-BE49-F238E27FC236}">
+                <a16:creationId xmlns:a16="http://schemas.microsoft.com/office/drawing/2014/main" id="{93ED74DD-E928-FB6D-F236-0407EA9F24DB}"/>
+              </a:ext>
+            </a:extLst>
+          </p:cNvPr>
+          <p:cNvPicPr>
+            <a:picLocks noChangeAspect="1"/>
+          </p:cNvPicPr>
+          <p:nvPr/>
+        </p:nvPicPr>
+        <p:blipFill>
+          <a:blip r:embed="rId2"/>
+          <a:stretch>
+            <a:fillRect/>
+          </a:stretch>
+        </p:blipFill>
+        <p:spPr>
+          <a:xfrm>
+            <a:off x="4136397" y="1791733"/>
+            <a:ext cx="3471240" cy="2031946"/>
+          </a:xfrm>
+          <a:prstGeom prst="rect">
+            <a:avLst/>
+          </a:prstGeom>
+        </p:spPr>
+      </p:pic>
+      <p:sp>
+        <p:nvSpPr>
+          <p:cNvPr id="19" name="TextBox 18">
+            <a:extLst>
+              <a:ext uri="{FF2B5EF4-FFF2-40B4-BE49-F238E27FC236}">
+                <a16:creationId xmlns:a16="http://schemas.microsoft.com/office/drawing/2014/main" id="{F501A62F-6CB0-E2A2-A5F7-EC7DFD36D93C}"/>
+              </a:ext>
+            </a:extLst>
+          </p:cNvPr>
+          <p:cNvSpPr txBox="1"/>
+          <p:nvPr/>
+        </p:nvSpPr>
+        <p:spPr>
+          <a:xfrm>
+            <a:off x="9207870" y="1422400"/>
+            <a:ext cx="1481420" cy="369332"/>
+          </a:xfrm>
+          <a:prstGeom prst="rect">
+            <a:avLst/>
+          </a:prstGeom>
+          <a:noFill/>
+        </p:spPr>
+        <p:txBody>
+          <a:bodyPr wrap="square" rtlCol="0">
+            <a:spAutoFit/>
+          </a:bodyPr>
+          <a:lstStyle/>
+          <a:p>
+            <a:r>
+              <a:rPr lang="en-US" dirty="0"/>
+              <a:t>ROI </a:t>
+            </a:r>
+            <a:r>
+              <a:rPr lang="en-US" dirty="0">
+                <a:solidFill>
+                  <a:srgbClr val="00B050"/>
+                </a:solidFill>
+              </a:rPr>
+              <a:t>48,55%</a:t>
+            </a:r>
+          </a:p>
+        </p:txBody>
+      </p:sp>
+      <p:sp>
+        <p:nvSpPr>
+          <p:cNvPr id="20" name="TextBox 19">
+            <a:extLst>
+              <a:ext uri="{FF2B5EF4-FFF2-40B4-BE49-F238E27FC236}">
+                <a16:creationId xmlns:a16="http://schemas.microsoft.com/office/drawing/2014/main" id="{68FF8057-D32C-384B-3500-E7EF277CE7D2}"/>
+              </a:ext>
+            </a:extLst>
+          </p:cNvPr>
+          <p:cNvSpPr txBox="1"/>
+          <p:nvPr/>
+        </p:nvSpPr>
+        <p:spPr>
+          <a:xfrm>
+            <a:off x="332509" y="4419938"/>
+            <a:ext cx="11185236" cy="1754326"/>
+          </a:xfrm>
+          <a:prstGeom prst="rect">
+            <a:avLst/>
+          </a:prstGeom>
+          <a:noFill/>
+        </p:spPr>
+        <p:txBody>
+          <a:bodyPr wrap="square" rtlCol="0">
+            <a:spAutoFit/>
+          </a:bodyPr>
+          <a:lstStyle/>
+          <a:p>
+            <a:r>
+              <a:rPr lang="en-US" dirty="0"/>
+              <a:t>- </a:t>
+            </a:r>
+            <a:r>
+              <a:rPr lang="ru-RU" dirty="0"/>
+              <a:t>из 20 каналов </a:t>
+            </a:r>
+            <a:r>
+              <a:rPr lang="en-US" dirty="0" err="1"/>
+              <a:t>utm_campaign</a:t>
+            </a:r>
+            <a:r>
+              <a:rPr lang="ru-RU" dirty="0"/>
+              <a:t>, которые были прорекламированы, только 11 показывают положительный </a:t>
+            </a:r>
+            <a:r>
+              <a:rPr lang="en-US" dirty="0"/>
+              <a:t>ROI</a:t>
+            </a:r>
+            <a:r>
+              <a:rPr lang="ru-RU" dirty="0"/>
+              <a:t> т.е. </a:t>
+            </a:r>
+            <a:r>
+              <a:rPr lang="ru-RU" dirty="0">
+                <a:solidFill>
+                  <a:srgbClr val="00B050"/>
+                </a:solidFill>
+              </a:rPr>
+              <a:t>окупаемы</a:t>
+            </a:r>
+            <a:r>
+              <a:rPr lang="en-US" dirty="0"/>
+              <a:t>;</a:t>
+            </a:r>
+          </a:p>
+          <a:p>
+            <a:r>
+              <a:rPr lang="en-US" dirty="0"/>
+              <a:t>-</a:t>
+            </a:r>
+            <a:r>
+              <a:rPr lang="ru-RU" dirty="0"/>
+              <a:t> с каналами </a:t>
+            </a:r>
+            <a:r>
+              <a:rPr lang="en-US" sz="1800" b="0" i="0" u="none" strike="noStrike" dirty="0">
+                <a:solidFill>
+                  <a:srgbClr val="000000"/>
+                </a:solidFill>
+                <a:effectLst/>
+                <a:latin typeface="Calibri" panose="020F0502020204030204" pitchFamily="34" charset="0"/>
+              </a:rPr>
+              <a:t>prof-frontend</a:t>
+            </a:r>
+            <a:r>
+              <a:rPr lang="en-US" dirty="0"/>
+              <a:t> </a:t>
+            </a:r>
+            <a:r>
+              <a:rPr lang="ru-RU" dirty="0"/>
+              <a:t>(</a:t>
+            </a:r>
+            <a:r>
+              <a:rPr lang="en-US" dirty="0"/>
+              <a:t>ROI -0,18</a:t>
+            </a:r>
+            <a:r>
+              <a:rPr lang="ru-RU" dirty="0"/>
+              <a:t>)</a:t>
+            </a:r>
+            <a:r>
+              <a:rPr lang="en-US" dirty="0"/>
+              <a:t> </a:t>
+            </a:r>
+            <a:r>
+              <a:rPr lang="ru-RU" dirty="0"/>
+              <a:t>и </a:t>
+            </a:r>
+            <a:r>
+              <a:rPr lang="en-US" sz="1800" b="0" i="0" u="none" strike="noStrike" dirty="0">
+                <a:solidFill>
+                  <a:srgbClr val="000000"/>
+                </a:solidFill>
+                <a:effectLst/>
+                <a:latin typeface="Calibri" panose="020F0502020204030204" pitchFamily="34" charset="0"/>
+              </a:rPr>
+              <a:t>prof-java </a:t>
+            </a:r>
+            <a:r>
+              <a:rPr lang="ru-RU" sz="1800" b="0" i="0" u="none" strike="noStrike" dirty="0">
+                <a:solidFill>
+                  <a:srgbClr val="000000"/>
+                </a:solidFill>
+                <a:effectLst/>
+                <a:latin typeface="Calibri" panose="020F0502020204030204" pitchFamily="34" charset="0"/>
+              </a:rPr>
+              <a:t>(</a:t>
+            </a:r>
+            <a:r>
+              <a:rPr lang="en-US" sz="1800" b="0" i="0" u="none" strike="noStrike" dirty="0">
+                <a:solidFill>
+                  <a:srgbClr val="000000"/>
+                </a:solidFill>
+                <a:effectLst/>
+                <a:latin typeface="Calibri" panose="020F0502020204030204" pitchFamily="34" charset="0"/>
+              </a:rPr>
+              <a:t>ROI -0,32</a:t>
+            </a:r>
+            <a:r>
+              <a:rPr lang="ru-RU" sz="1800" b="0" i="0" u="none" strike="noStrike" dirty="0">
+                <a:solidFill>
+                  <a:srgbClr val="000000"/>
+                </a:solidFill>
+                <a:effectLst/>
+                <a:latin typeface="Calibri" panose="020F0502020204030204" pitchFamily="34" charset="0"/>
+              </a:rPr>
+              <a:t>) </a:t>
+            </a:r>
+            <a:r>
+              <a:rPr lang="ru-RU" sz="1800" b="0" i="0" u="none" strike="noStrike" dirty="0">
+                <a:solidFill>
+                  <a:srgbClr val="FF7C80"/>
+                </a:solidFill>
+                <a:effectLst/>
+                <a:latin typeface="Calibri" panose="020F0502020204030204" pitchFamily="34" charset="0"/>
+              </a:rPr>
+              <a:t>стоит поработать</a:t>
+            </a:r>
+            <a:r>
+              <a:rPr lang="ru-RU" sz="1800" b="0" i="0" u="none" strike="noStrike" dirty="0">
+                <a:solidFill>
+                  <a:srgbClr val="000000"/>
+                </a:solidFill>
+                <a:effectLst/>
+                <a:latin typeface="Calibri" panose="020F0502020204030204" pitchFamily="34" charset="0"/>
+              </a:rPr>
+              <a:t>, на эт</a:t>
+            </a:r>
+            <a:r>
+              <a:rPr lang="ru-RU" dirty="0">
+                <a:solidFill>
+                  <a:srgbClr val="000000"/>
+                </a:solidFill>
+                <a:latin typeface="Calibri" panose="020F0502020204030204" pitchFamily="34" charset="0"/>
+              </a:rPr>
+              <a:t>и 2 канала было потрачено больше половины бюджета, 2.2 млн. руб.)</a:t>
+            </a:r>
+            <a:r>
+              <a:rPr lang="en-US" dirty="0">
+                <a:solidFill>
+                  <a:srgbClr val="000000"/>
+                </a:solidFill>
+                <a:latin typeface="Calibri" panose="020F0502020204030204" pitchFamily="34" charset="0"/>
+              </a:rPr>
+              <a:t>;</a:t>
+            </a:r>
+          </a:p>
+          <a:p>
+            <a:r>
+              <a:rPr lang="en-US" dirty="0">
+                <a:solidFill>
+                  <a:srgbClr val="000000"/>
+                </a:solidFill>
+                <a:latin typeface="Calibri" panose="020F0502020204030204" pitchFamily="34" charset="0"/>
+              </a:rPr>
+              <a:t>-</a:t>
+            </a:r>
+            <a:r>
+              <a:rPr lang="ru-RU" dirty="0"/>
+              <a:t> </a:t>
+            </a:r>
+            <a:r>
+              <a:rPr lang="ru-RU" dirty="0">
+                <a:solidFill>
+                  <a:srgbClr val="FF7C80"/>
+                </a:solidFill>
+              </a:rPr>
+              <a:t>прекратить финансирование</a:t>
+            </a:r>
+            <a:r>
+              <a:rPr lang="ru-RU" dirty="0"/>
+              <a:t> каналов </a:t>
+            </a:r>
+            <a:r>
+              <a:rPr lang="en-US" sz="1800" b="0" i="0" u="none" strike="noStrike" dirty="0" err="1">
+                <a:solidFill>
+                  <a:srgbClr val="000000"/>
+                </a:solidFill>
+                <a:effectLst/>
+                <a:latin typeface="Calibri" panose="020F0502020204030204" pitchFamily="34" charset="0"/>
+              </a:rPr>
+              <a:t>dod</a:t>
+            </a:r>
+            <a:r>
+              <a:rPr lang="en-US" sz="1800" b="0" i="0" u="none" strike="noStrike" dirty="0">
+                <a:solidFill>
+                  <a:srgbClr val="000000"/>
+                </a:solidFill>
+                <a:effectLst/>
+                <a:latin typeface="Calibri" panose="020F0502020204030204" pitchFamily="34" charset="0"/>
+              </a:rPr>
+              <a:t>-frontend</a:t>
+            </a:r>
+            <a:r>
+              <a:rPr lang="ru-RU" sz="1800" b="0" i="0" u="none" strike="noStrike" dirty="0">
+                <a:solidFill>
+                  <a:srgbClr val="000000"/>
+                </a:solidFill>
+                <a:effectLst/>
+                <a:latin typeface="Calibri" panose="020F0502020204030204" pitchFamily="34" charset="0"/>
+              </a:rPr>
+              <a:t>, </a:t>
+            </a:r>
+            <a:r>
+              <a:rPr lang="en-US" sz="1800" b="0" i="0" u="none" strike="noStrike" dirty="0" err="1">
+                <a:solidFill>
+                  <a:srgbClr val="000000"/>
+                </a:solidFill>
+                <a:effectLst/>
+                <a:latin typeface="Calibri" panose="020F0502020204030204" pitchFamily="34" charset="0"/>
+              </a:rPr>
+              <a:t>dod</a:t>
+            </a:r>
+            <a:r>
+              <a:rPr lang="en-US" sz="1800" b="0" i="0" u="none" strike="noStrike" dirty="0">
+                <a:solidFill>
+                  <a:srgbClr val="000000"/>
+                </a:solidFill>
+                <a:effectLst/>
+                <a:latin typeface="Calibri" panose="020F0502020204030204" pitchFamily="34" charset="0"/>
+              </a:rPr>
+              <a:t>-java</a:t>
+            </a:r>
+            <a:r>
+              <a:rPr lang="ru-RU" sz="1800" b="0" i="0" u="none" strike="noStrike" dirty="0">
+                <a:solidFill>
+                  <a:srgbClr val="000000"/>
+                </a:solidFill>
+                <a:effectLst/>
+                <a:latin typeface="Calibri" panose="020F0502020204030204" pitchFamily="34" charset="0"/>
+              </a:rPr>
+              <a:t>, </a:t>
+            </a:r>
+            <a:r>
+              <a:rPr lang="en-US" sz="1800" b="0" i="0" u="none" strike="noStrike" dirty="0" err="1">
+                <a:solidFill>
+                  <a:srgbClr val="000000"/>
+                </a:solidFill>
+                <a:effectLst/>
+                <a:latin typeface="Calibri" panose="020F0502020204030204" pitchFamily="34" charset="0"/>
+              </a:rPr>
+              <a:t>dod</a:t>
+            </a:r>
+            <a:r>
+              <a:rPr lang="en-US" sz="1800" b="0" i="0" u="none" strike="noStrike" dirty="0">
+                <a:solidFill>
+                  <a:srgbClr val="000000"/>
+                </a:solidFill>
+                <a:effectLst/>
+                <a:latin typeface="Calibri" panose="020F0502020204030204" pitchFamily="34" charset="0"/>
+              </a:rPr>
+              <a:t>-python-java</a:t>
+            </a:r>
+            <a:r>
+              <a:rPr lang="ru-RU" sz="1800" b="0" i="0" u="none" strike="noStrike" dirty="0">
+                <a:solidFill>
+                  <a:srgbClr val="000000"/>
+                </a:solidFill>
+                <a:effectLst/>
+                <a:latin typeface="Calibri" panose="020F0502020204030204" pitchFamily="34" charset="0"/>
+              </a:rPr>
+              <a:t>, </a:t>
+            </a:r>
+            <a:r>
+              <a:rPr lang="en-US" sz="1800" b="0" i="0" u="none" strike="noStrike" dirty="0" err="1">
+                <a:solidFill>
+                  <a:srgbClr val="000000"/>
+                </a:solidFill>
+                <a:effectLst/>
+                <a:latin typeface="Calibri" panose="020F0502020204030204" pitchFamily="34" charset="0"/>
+              </a:rPr>
+              <a:t>dod-qa</a:t>
+            </a:r>
+            <a:r>
+              <a:rPr lang="ru-RU" sz="1800" b="0" i="0" u="none" strike="noStrike" dirty="0">
+                <a:solidFill>
+                  <a:srgbClr val="000000"/>
+                </a:solidFill>
+                <a:effectLst/>
+                <a:latin typeface="Calibri" panose="020F0502020204030204" pitchFamily="34" charset="0"/>
+              </a:rPr>
+              <a:t>, </a:t>
+            </a:r>
+            <a:r>
+              <a:rPr lang="en-US" sz="1800" b="0" i="0" u="none" strike="noStrike" dirty="0">
+                <a:solidFill>
+                  <a:srgbClr val="000000"/>
+                </a:solidFill>
+                <a:effectLst/>
+                <a:latin typeface="Calibri" panose="020F0502020204030204" pitchFamily="34" charset="0"/>
+              </a:rPr>
+              <a:t>freemium-java</a:t>
+            </a:r>
+            <a:r>
+              <a:rPr lang="ru-RU" sz="1800" b="0" i="0" u="none" strike="noStrike" dirty="0">
+                <a:solidFill>
+                  <a:srgbClr val="000000"/>
+                </a:solidFill>
+                <a:effectLst/>
+                <a:latin typeface="Calibri" panose="020F0502020204030204" pitchFamily="34" charset="0"/>
+              </a:rPr>
+              <a:t>, </a:t>
+            </a:r>
+            <a:r>
+              <a:rPr lang="en-US" sz="1800" b="0" i="0" u="none" strike="noStrike" dirty="0">
+                <a:solidFill>
+                  <a:srgbClr val="000000"/>
+                </a:solidFill>
+                <a:effectLst/>
+                <a:latin typeface="Calibri" panose="020F0502020204030204" pitchFamily="34" charset="0"/>
+              </a:rPr>
+              <a:t>prof-professions-retarget</a:t>
+            </a:r>
+            <a:r>
+              <a:rPr lang="ru-RU" sz="1800" b="0" i="0" u="none" strike="noStrike" dirty="0">
+                <a:solidFill>
+                  <a:srgbClr val="000000"/>
+                </a:solidFill>
+                <a:effectLst/>
+                <a:latin typeface="Calibri" panose="020F0502020204030204" pitchFamily="34" charset="0"/>
+              </a:rPr>
+              <a:t>, они не принесли прибыли</a:t>
+            </a:r>
+            <a:r>
+              <a:rPr lang="ru-RU" dirty="0">
+                <a:solidFill>
+                  <a:srgbClr val="000000"/>
+                </a:solidFill>
+                <a:latin typeface="Calibri" panose="020F0502020204030204" pitchFamily="34" charset="0"/>
+              </a:rPr>
+              <a:t>.</a:t>
+            </a:r>
+            <a:endParaRPr lang="en-US" dirty="0">
+              <a:solidFill>
+                <a:srgbClr val="00B050"/>
+              </a:solidFill>
+            </a:endParaRPr>
+          </a:p>
+        </p:txBody>
+      </p:sp>
+      <p:pic>
+        <p:nvPicPr>
+          <p:cNvPr id="22" name="Рисунок 21">
+            <a:extLst>
+              <a:ext uri="{FF2B5EF4-FFF2-40B4-BE49-F238E27FC236}">
+                <a16:creationId xmlns:a16="http://schemas.microsoft.com/office/drawing/2014/main" id="{A1FBA09B-E655-8B47-75E8-1988B99023C0}"/>
+              </a:ext>
+            </a:extLst>
+          </p:cNvPr>
+          <p:cNvPicPr>
+            <a:picLocks noChangeAspect="1"/>
+          </p:cNvPicPr>
+          <p:nvPr/>
+        </p:nvPicPr>
+        <p:blipFill>
+          <a:blip r:embed="rId3"/>
+          <a:stretch>
+            <a:fillRect/>
+          </a:stretch>
+        </p:blipFill>
+        <p:spPr>
+          <a:xfrm>
+            <a:off x="8212959" y="1791731"/>
+            <a:ext cx="3932545" cy="1930523"/>
+          </a:xfrm>
+          <a:prstGeom prst="rect">
+            <a:avLst/>
+          </a:prstGeom>
+        </p:spPr>
+      </p:pic>
+      <p:pic>
+        <p:nvPicPr>
+          <p:cNvPr id="24" name="Рисунок 23">
+            <a:extLst>
+              <a:ext uri="{FF2B5EF4-FFF2-40B4-BE49-F238E27FC236}">
+                <a16:creationId xmlns:a16="http://schemas.microsoft.com/office/drawing/2014/main" id="{813F0AC8-B687-01A1-A770-F2EDD174334B}"/>
+              </a:ext>
+            </a:extLst>
+          </p:cNvPr>
+          <p:cNvPicPr>
+            <a:picLocks noChangeAspect="1"/>
+          </p:cNvPicPr>
+          <p:nvPr/>
+        </p:nvPicPr>
+        <p:blipFill>
+          <a:blip r:embed="rId4"/>
+          <a:stretch>
+            <a:fillRect/>
+          </a:stretch>
+        </p:blipFill>
+        <p:spPr>
+          <a:xfrm>
+            <a:off x="332509" y="1791731"/>
+            <a:ext cx="3708300" cy="2031946"/>
+          </a:xfrm>
+          <a:prstGeom prst="rect">
+            <a:avLst/>
+          </a:prstGeom>
+        </p:spPr>
+      </p:pic>
+    </p:spTree>
+    <p:extLst>
+      <p:ext uri="{BB962C8B-B14F-4D97-AF65-F5344CB8AC3E}">
+        <p14:creationId xmlns:p14="http://schemas.microsoft.com/office/powerpoint/2010/main" val="3061648834"/>
+      </p:ext>
+    </p:extLst>
+  </p:cSld>
+  <p:clrMapOvr>
+    <a:masterClrMapping/>
+  </p:clrMapOvr>
+</p:sld>
+</file>
+
+<file path=ppt/slides/slide5.xml><?xml version="1.0" encoding="utf-8"?>
+<p:sld xmlns:a="http://schemas.openxmlformats.org/drawingml/2006/main" xmlns:r="http://schemas.openxmlformats.org/officeDocument/2006/relationships" xmlns:p="http://schemas.openxmlformats.org/presentationml/2006/main">
+  <p:cSld>
+    <p:spTree>
+      <p:nvGrpSpPr>
+        <p:cNvPr id="1" name=""/>
+        <p:cNvGrpSpPr/>
+        <p:nvPr/>
+      </p:nvGrpSpPr>
+      <p:grpSpPr>
+        <a:xfrm>
+          <a:off x="0" y="0"/>
+          <a:ext cx="0" cy="0"/>
+          <a:chOff x="0" y="0"/>
+          <a:chExt cx="0" cy="0"/>
+        </a:xfrm>
+      </p:grpSpPr>
+      <p:pic>
+        <p:nvPicPr>
+          <p:cNvPr id="7" name="Рисунок 6">
+            <a:extLst>
+              <a:ext uri="{FF2B5EF4-FFF2-40B4-BE49-F238E27FC236}">
+                <a16:creationId xmlns:a16="http://schemas.microsoft.com/office/drawing/2014/main" id="{1D2898B9-C515-9700-661D-B61A180BAF4B}"/>
+              </a:ext>
+            </a:extLst>
+          </p:cNvPr>
+          <p:cNvPicPr>
+            <a:picLocks noChangeAspect="1"/>
+          </p:cNvPicPr>
+          <p:nvPr/>
+        </p:nvPicPr>
+        <p:blipFill>
+          <a:blip r:embed="rId2"/>
+          <a:stretch>
+            <a:fillRect/>
+          </a:stretch>
+        </p:blipFill>
+        <p:spPr>
+          <a:xfrm>
+            <a:off x="1009072" y="975036"/>
+            <a:ext cx="9483438" cy="4567155"/>
+          </a:xfrm>
+          <a:prstGeom prst="rect">
+            <a:avLst/>
+          </a:prstGeom>
+        </p:spPr>
+      </p:pic>
+      <p:sp>
+        <p:nvSpPr>
+          <p:cNvPr id="8" name="Заголовок 1">
+            <a:extLst>
+              <a:ext uri="{FF2B5EF4-FFF2-40B4-BE49-F238E27FC236}">
+                <a16:creationId xmlns:a16="http://schemas.microsoft.com/office/drawing/2014/main" id="{B2C78924-4A7E-D7CC-0303-628CB977C9D6}"/>
+              </a:ext>
+            </a:extLst>
+          </p:cNvPr>
+          <p:cNvSpPr txBox="1">
+            <a:spLocks/>
+          </p:cNvSpPr>
+          <p:nvPr/>
+        </p:nvSpPr>
+        <p:spPr>
+          <a:xfrm>
+            <a:off x="614217" y="236055"/>
+            <a:ext cx="10515600" cy="1325563"/>
+          </a:xfrm>
+          <a:prstGeom prst="rect">
+            <a:avLst/>
+          </a:prstGeom>
+        </p:spPr>
+        <p:txBody>
+          <a:bodyPr vert="horz" lIns="91440" tIns="45720" rIns="91440" bIns="45720" rtlCol="0" anchor="ctr">
+            <a:normAutofit/>
+          </a:bodyPr>
+          <a:lstStyle>
+            <a:lvl1pPr algn="l" defTabSz="914400" rtl="0" eaLnBrk="1" latinLnBrk="0" hangingPunct="1">
+              <a:lnSpc>
+                <a:spcPct val="90000"/>
+              </a:lnSpc>
+              <a:spcBef>
+                <a:spcPct val="0"/>
+              </a:spcBef>
+              <a:buNone/>
+              <a:defRPr sz="4400" kern="1200">
+                <a:solidFill>
+                  <a:schemeClr val="tx1"/>
+                </a:solidFill>
+                <a:latin typeface="+mj-lt"/>
+                <a:ea typeface="+mj-ea"/>
+                <a:cs typeface="+mj-cs"/>
+              </a:defRPr>
+            </a:lvl1pPr>
+          </a:lstStyle>
+          <a:p>
+            <a:r>
+              <a:rPr lang="ru-RU" sz="2800" dirty="0"/>
+              <a:t>Динамика закрытия </a:t>
+            </a:r>
+            <a:r>
+              <a:rPr lang="ru-RU" sz="2800" dirty="0" err="1"/>
+              <a:t>лидов</a:t>
+            </a:r>
+            <a:endParaRPr lang="en-US" sz="2800" dirty="0"/>
+          </a:p>
+        </p:txBody>
+      </p:sp>
+      <p:sp>
+        <p:nvSpPr>
+          <p:cNvPr id="9" name="TextBox 8">
+            <a:extLst>
+              <a:ext uri="{FF2B5EF4-FFF2-40B4-BE49-F238E27FC236}">
+                <a16:creationId xmlns:a16="http://schemas.microsoft.com/office/drawing/2014/main" id="{53753AC3-4BF0-3D53-ADA2-C3991378C8DE}"/>
+              </a:ext>
+            </a:extLst>
+          </p:cNvPr>
+          <p:cNvSpPr txBox="1"/>
+          <p:nvPr/>
+        </p:nvSpPr>
+        <p:spPr>
+          <a:xfrm>
+            <a:off x="279398" y="5559798"/>
+            <a:ext cx="11185236" cy="923330"/>
+          </a:xfrm>
+          <a:prstGeom prst="rect">
+            <a:avLst/>
+          </a:prstGeom>
+          <a:noFill/>
+        </p:spPr>
+        <p:txBody>
+          <a:bodyPr wrap="square" rtlCol="0">
+            <a:spAutoFit/>
+          </a:bodyPr>
+          <a:lstStyle/>
+          <a:p>
+            <a:r>
+              <a:rPr lang="ru-RU" dirty="0"/>
+              <a:t>- на графике представлена динамика закрытия </a:t>
+            </a:r>
+            <a:r>
+              <a:rPr lang="ru-RU" dirty="0" err="1"/>
+              <a:t>лидов</a:t>
+            </a:r>
+            <a:r>
+              <a:rPr lang="ru-RU" dirty="0"/>
+              <a:t> по времени с момента перехода по рекламе, видно, что 90% </a:t>
+            </a:r>
+            <a:r>
+              <a:rPr lang="ru-RU" dirty="0" err="1"/>
+              <a:t>лидов</a:t>
+            </a:r>
+            <a:r>
+              <a:rPr lang="ru-RU" dirty="0"/>
+              <a:t> закрываются через 25 дней после перехода</a:t>
+            </a:r>
+            <a:r>
+              <a:rPr lang="en-US" dirty="0"/>
+              <a:t>;</a:t>
+            </a:r>
+          </a:p>
+          <a:p>
+            <a:r>
+              <a:rPr lang="en-US" dirty="0"/>
+              <a:t>- </a:t>
+            </a:r>
+            <a:r>
+              <a:rPr lang="ru-RU" dirty="0"/>
+              <a:t>часто клиенты принимают решение либо сразу, либо через 2 недели после перехода</a:t>
+            </a:r>
+            <a:r>
+              <a:rPr lang="en-US" dirty="0"/>
+              <a:t>.</a:t>
+            </a:r>
+          </a:p>
+        </p:txBody>
+      </p:sp>
+      <p:cxnSp>
+        <p:nvCxnSpPr>
+          <p:cNvPr id="11" name="Прямая соединительная линия 10">
+            <a:extLst>
+              <a:ext uri="{FF2B5EF4-FFF2-40B4-BE49-F238E27FC236}">
+                <a16:creationId xmlns:a16="http://schemas.microsoft.com/office/drawing/2014/main" id="{C81FA9B3-25C3-A488-EF7E-E599A42AC621}"/>
+              </a:ext>
+            </a:extLst>
+          </p:cNvPr>
+          <p:cNvCxnSpPr>
+            <a:cxnSpLocks/>
+          </p:cNvCxnSpPr>
+          <p:nvPr/>
+        </p:nvCxnSpPr>
+        <p:spPr>
+          <a:xfrm>
+            <a:off x="8866908" y="1256145"/>
+            <a:ext cx="0" cy="4193310"/>
+          </a:xfrm>
+          <a:prstGeom prst="line">
+            <a:avLst/>
+          </a:prstGeom>
+          <a:ln w="9525" cap="flat" cmpd="sng" algn="ctr">
+            <a:solidFill>
+              <a:srgbClr val="00B050"/>
+            </a:solidFill>
+            <a:prstDash val="dash"/>
+            <a:round/>
+            <a:headEnd type="none" w="med" len="med"/>
+            <a:tailEnd type="none" w="med" len="med"/>
+          </a:ln>
+          <a:effectLst/>
+        </p:spPr>
+        <p:style>
+          <a:lnRef idx="0">
+            <a:scrgbClr r="0" g="0" b="0"/>
+          </a:lnRef>
+          <a:fillRef idx="0">
+            <a:scrgbClr r="0" g="0" b="0"/>
+          </a:fillRef>
+          <a:effectRef idx="0">
+            <a:scrgbClr r="0" g="0" b="0"/>
+          </a:effectRef>
+          <a:fontRef idx="minor">
+            <a:schemeClr val="tx1"/>
+          </a:fontRef>
+        </p:style>
+      </p:cxnSp>
+      <p:sp>
+        <p:nvSpPr>
+          <p:cNvPr id="23" name="TextBox 22">
+            <a:extLst>
+              <a:ext uri="{FF2B5EF4-FFF2-40B4-BE49-F238E27FC236}">
+                <a16:creationId xmlns:a16="http://schemas.microsoft.com/office/drawing/2014/main" id="{2471CE82-44C5-8970-5DD5-55AF8D31AFF6}"/>
+              </a:ext>
+            </a:extLst>
+          </p:cNvPr>
+          <p:cNvSpPr txBox="1"/>
+          <p:nvPr/>
+        </p:nvSpPr>
+        <p:spPr>
+          <a:xfrm>
+            <a:off x="8502071" y="1163409"/>
+            <a:ext cx="729673" cy="246221"/>
+          </a:xfrm>
+          <a:prstGeom prst="rect">
+            <a:avLst/>
+          </a:prstGeom>
+          <a:noFill/>
+        </p:spPr>
+        <p:txBody>
+          <a:bodyPr wrap="square" rtlCol="0">
+            <a:spAutoFit/>
+          </a:bodyPr>
+          <a:lstStyle/>
+          <a:p>
+            <a:r>
+              <a:rPr lang="en-US" sz="1000" dirty="0">
+                <a:solidFill>
+                  <a:srgbClr val="00B050"/>
+                </a:solidFill>
+              </a:rPr>
+              <a:t>90%</a:t>
+            </a:r>
+          </a:p>
+        </p:txBody>
+      </p:sp>
+    </p:spTree>
+    <p:extLst>
+      <p:ext uri="{BB962C8B-B14F-4D97-AF65-F5344CB8AC3E}">
+        <p14:creationId xmlns:p14="http://schemas.microsoft.com/office/powerpoint/2010/main" val="3735122181"/>
+      </p:ext>
+    </p:extLst>
+  </p:cSld>
+  <p:clrMapOvr>
+    <a:masterClrMapping/>
+  </p:clrMapOvr>
+</p:sld>
+</file>
+
+<file path=ppt/slides/slide6.xml><?xml version="1.0" encoding="utf-8"?>
+<p:sld xmlns:a="http://schemas.openxmlformats.org/drawingml/2006/main" xmlns:r="http://schemas.openxmlformats.org/officeDocument/2006/relationships" xmlns:p="http://schemas.openxmlformats.org/presentationml/2006/main">
+  <p:cSld>
+    <p:spTree>
+      <p:nvGrpSpPr>
+        <p:cNvPr id="1" name=""/>
+        <p:cNvGrpSpPr/>
+        <p:nvPr/>
+      </p:nvGrpSpPr>
+      <p:grpSpPr>
+        <a:xfrm>
+          <a:off x="0" y="0"/>
+          <a:ext cx="0" cy="0"/>
+          <a:chOff x="0" y="0"/>
+          <a:chExt cx="0" cy="0"/>
+        </a:xfrm>
+      </p:grpSpPr>
+      <p:sp>
+        <p:nvSpPr>
+          <p:cNvPr id="4" name="Заголовок 1">
+            <a:extLst>
+              <a:ext uri="{FF2B5EF4-FFF2-40B4-BE49-F238E27FC236}">
+                <a16:creationId xmlns:a16="http://schemas.microsoft.com/office/drawing/2014/main" id="{116DB2AF-C39C-FFA9-BF6A-B8C02CED9AAF}"/>
+              </a:ext>
+            </a:extLst>
+          </p:cNvPr>
+          <p:cNvSpPr txBox="1">
+            <a:spLocks/>
+          </p:cNvSpPr>
+          <p:nvPr/>
+        </p:nvSpPr>
+        <p:spPr>
+          <a:xfrm>
+            <a:off x="614217" y="236055"/>
+            <a:ext cx="10515600" cy="1325563"/>
+          </a:xfrm>
+          <a:prstGeom prst="rect">
+            <a:avLst/>
+          </a:prstGeom>
+        </p:spPr>
+        <p:txBody>
+          <a:bodyPr vert="horz" lIns="91440" tIns="45720" rIns="91440" bIns="45720" rtlCol="0" anchor="ctr">
+            <a:normAutofit/>
+          </a:bodyPr>
+          <a:lstStyle>
+            <a:lvl1pPr algn="l" defTabSz="914400" rtl="0" eaLnBrk="1" latinLnBrk="0" hangingPunct="1">
+              <a:lnSpc>
+                <a:spcPct val="90000"/>
+              </a:lnSpc>
+              <a:spcBef>
+                <a:spcPct val="0"/>
+              </a:spcBef>
+              <a:buNone/>
+              <a:defRPr sz="4400" kern="1200">
+                <a:solidFill>
+                  <a:schemeClr val="tx1"/>
+                </a:solidFill>
+                <a:latin typeface="+mj-lt"/>
+                <a:ea typeface="+mj-ea"/>
+                <a:cs typeface="+mj-cs"/>
+              </a:defRPr>
+            </a:lvl1pPr>
+          </a:lstStyle>
+          <a:p>
+            <a:r>
+              <a:rPr lang="ru-RU" sz="2800" dirty="0"/>
+              <a:t>Корреляция между запуском рекламы и ростом органики </a:t>
+            </a:r>
+            <a:endParaRPr lang="en-US" sz="2800" dirty="0"/>
+          </a:p>
+        </p:txBody>
+      </p:sp>
+      <p:pic>
+        <p:nvPicPr>
+          <p:cNvPr id="6" name="Рисунок 5">
+            <a:extLst>
+              <a:ext uri="{FF2B5EF4-FFF2-40B4-BE49-F238E27FC236}">
+                <a16:creationId xmlns:a16="http://schemas.microsoft.com/office/drawing/2014/main" id="{244E2D1B-4E25-9ADA-47C6-D9401DAC4A94}"/>
+              </a:ext>
+            </a:extLst>
+          </p:cNvPr>
+          <p:cNvPicPr>
+            <a:picLocks noChangeAspect="1"/>
+          </p:cNvPicPr>
+          <p:nvPr/>
+        </p:nvPicPr>
+        <p:blipFill>
+          <a:blip r:embed="rId2"/>
+          <a:stretch>
+            <a:fillRect/>
+          </a:stretch>
+        </p:blipFill>
+        <p:spPr>
+          <a:xfrm>
+            <a:off x="733712" y="1198155"/>
+            <a:ext cx="10258137" cy="3988076"/>
+          </a:xfrm>
+          <a:prstGeom prst="rect">
+            <a:avLst/>
+          </a:prstGeom>
+        </p:spPr>
+      </p:pic>
+      <p:sp>
+        <p:nvSpPr>
+          <p:cNvPr id="7" name="TextBox 6">
+            <a:extLst>
+              <a:ext uri="{FF2B5EF4-FFF2-40B4-BE49-F238E27FC236}">
+                <a16:creationId xmlns:a16="http://schemas.microsoft.com/office/drawing/2014/main" id="{3CB9B3F9-ACF8-A7D9-4130-1414901C742A}"/>
+              </a:ext>
+            </a:extLst>
+          </p:cNvPr>
+          <p:cNvSpPr txBox="1"/>
+          <p:nvPr/>
+        </p:nvSpPr>
+        <p:spPr>
+          <a:xfrm>
+            <a:off x="240145" y="5370958"/>
+            <a:ext cx="11582400" cy="1477328"/>
+          </a:xfrm>
+          <a:prstGeom prst="rect">
+            <a:avLst/>
+          </a:prstGeom>
+          <a:noFill/>
+        </p:spPr>
+        <p:txBody>
+          <a:bodyPr wrap="square" rtlCol="0">
+            <a:spAutoFit/>
+          </a:bodyPr>
+          <a:lstStyle/>
+          <a:p>
+            <a:r>
+              <a:rPr lang="ru-RU" dirty="0"/>
+              <a:t>- на графике видна прямая зависимость между запуском рекламы и количеством клиентов на всех стадиях принятия решения</a:t>
+            </a:r>
+            <a:r>
+              <a:rPr lang="en-US" dirty="0"/>
+              <a:t>. </a:t>
+            </a:r>
+            <a:r>
+              <a:rPr lang="en-US" u="sng" dirty="0"/>
+              <a:t>77%</a:t>
+            </a:r>
+            <a:r>
+              <a:rPr lang="en-US" dirty="0"/>
+              <a:t> </a:t>
+            </a:r>
+            <a:r>
+              <a:rPr lang="ru-RU" dirty="0"/>
+              <a:t>визитов, </a:t>
+            </a:r>
+            <a:r>
+              <a:rPr lang="ru-RU" u="sng" dirty="0"/>
+              <a:t>93%</a:t>
+            </a:r>
+            <a:r>
+              <a:rPr lang="ru-RU" dirty="0"/>
+              <a:t> </a:t>
+            </a:r>
+            <a:r>
+              <a:rPr lang="ru-RU" dirty="0" err="1"/>
+              <a:t>лидов</a:t>
+            </a:r>
+            <a:r>
+              <a:rPr lang="ru-RU" dirty="0"/>
+              <a:t> и </a:t>
+            </a:r>
+            <a:r>
+              <a:rPr lang="ru-RU" u="sng" dirty="0"/>
+              <a:t>96%</a:t>
+            </a:r>
+            <a:r>
+              <a:rPr lang="ru-RU" dirty="0"/>
+              <a:t> закрытых сделок прошли после проведения рекламных компаний. </a:t>
+            </a:r>
+            <a:r>
+              <a:rPr lang="ru-RU" u="sng" dirty="0"/>
+              <a:t>96%</a:t>
+            </a:r>
+            <a:r>
+              <a:rPr lang="ru-RU" dirty="0"/>
+              <a:t> выручки также была получена с привлечением рекламы. </a:t>
+            </a:r>
+          </a:p>
+          <a:p>
+            <a:r>
+              <a:rPr lang="ru-RU" dirty="0"/>
+              <a:t>- рассчитанная корреляция Пирсона по оплаченным каналам составила для </a:t>
+            </a:r>
+            <a:r>
+              <a:rPr lang="en-US" dirty="0" err="1"/>
+              <a:t>vk</a:t>
+            </a:r>
+            <a:r>
+              <a:rPr lang="en-US" dirty="0"/>
+              <a:t> 0.519, </a:t>
+            </a:r>
+            <a:r>
+              <a:rPr lang="ru-RU" dirty="0"/>
+              <a:t>для </a:t>
+            </a:r>
+            <a:r>
+              <a:rPr lang="en-US" dirty="0"/>
+              <a:t>Yandex 0,541, </a:t>
+            </a:r>
+            <a:r>
+              <a:rPr lang="ru-RU" dirty="0"/>
+              <a:t>это больше 0.5, показатель средний, но на неё стоит обратить внимание.</a:t>
+            </a:r>
+            <a:endParaRPr lang="en-US" dirty="0"/>
+          </a:p>
+        </p:txBody>
+      </p:sp>
+    </p:spTree>
+    <p:extLst>
+      <p:ext uri="{BB962C8B-B14F-4D97-AF65-F5344CB8AC3E}">
+        <p14:creationId xmlns:p14="http://schemas.microsoft.com/office/powerpoint/2010/main" val="3421618809"/>
+      </p:ext>
+    </p:extLst>
+  </p:cSld>
+  <p:clrMapOvr>
+    <a:masterClrMapping/>
+  </p:clrMapOvr>
+</p:sld>
+</file>
+
+<file path=ppt/slides/slide7.xml><?xml version="1.0" encoding="utf-8"?>
+<p:sld xmlns:a="http://schemas.openxmlformats.org/drawingml/2006/main" xmlns:r="http://schemas.openxmlformats.org/officeDocument/2006/relationships" xmlns:p="http://schemas.openxmlformats.org/presentationml/2006/main">
+  <p:cSld>
+    <p:spTree>
+      <p:nvGrpSpPr>
+        <p:cNvPr id="1" name=""/>
+        <p:cNvGrpSpPr/>
+        <p:nvPr/>
+      </p:nvGrpSpPr>
+      <p:grpSpPr>
+        <a:xfrm>
+          <a:off x="0" y="0"/>
+          <a:ext cx="0" cy="0"/>
+          <a:chOff x="0" y="0"/>
+          <a:chExt cx="0" cy="0"/>
+        </a:xfrm>
+      </p:grpSpPr>
+      <p:sp>
+        <p:nvSpPr>
+          <p:cNvPr id="4" name="Заголовок 1">
+            <a:extLst>
+              <a:ext uri="{FF2B5EF4-FFF2-40B4-BE49-F238E27FC236}">
+                <a16:creationId xmlns:a16="http://schemas.microsoft.com/office/drawing/2014/main" id="{753ED67D-DE25-BBB2-0D3D-1BE9641C7983}"/>
+              </a:ext>
+            </a:extLst>
+          </p:cNvPr>
+          <p:cNvSpPr txBox="1">
+            <a:spLocks/>
+          </p:cNvSpPr>
+          <p:nvPr/>
+        </p:nvSpPr>
+        <p:spPr>
+          <a:xfrm>
+            <a:off x="614217" y="236055"/>
+            <a:ext cx="10515600" cy="1325563"/>
+          </a:xfrm>
+          <a:prstGeom prst="rect">
+            <a:avLst/>
+          </a:prstGeom>
+        </p:spPr>
+        <p:txBody>
+          <a:bodyPr vert="horz" lIns="91440" tIns="45720" rIns="91440" bIns="45720" rtlCol="0" anchor="ctr">
+            <a:normAutofit/>
+          </a:bodyPr>
+          <a:lstStyle>
+            <a:lvl1pPr algn="l" defTabSz="914400" rtl="0" eaLnBrk="1" latinLnBrk="0" hangingPunct="1">
+              <a:lnSpc>
+                <a:spcPct val="90000"/>
+              </a:lnSpc>
+              <a:spcBef>
+                <a:spcPct val="0"/>
+              </a:spcBef>
+              <a:buNone/>
+              <a:defRPr sz="4400" kern="1200">
+                <a:solidFill>
+                  <a:schemeClr val="tx1"/>
+                </a:solidFill>
+                <a:latin typeface="+mj-lt"/>
+                <a:ea typeface="+mj-ea"/>
+                <a:cs typeface="+mj-cs"/>
+              </a:defRPr>
+            </a:lvl1pPr>
+          </a:lstStyle>
+          <a:p>
+            <a:r>
+              <a:rPr lang="ru-RU" sz="2800" dirty="0"/>
+              <a:t>Особенности рекламной политики</a:t>
+            </a:r>
+          </a:p>
+        </p:txBody>
+      </p:sp>
+      <p:pic>
+        <p:nvPicPr>
+          <p:cNvPr id="6" name="Рисунок 5">
+            <a:extLst>
+              <a:ext uri="{FF2B5EF4-FFF2-40B4-BE49-F238E27FC236}">
+                <a16:creationId xmlns:a16="http://schemas.microsoft.com/office/drawing/2014/main" id="{7D966ACF-8C3E-D36C-8532-C674CA0ABF2C}"/>
+              </a:ext>
+            </a:extLst>
+          </p:cNvPr>
+          <p:cNvPicPr>
+            <a:picLocks noChangeAspect="1"/>
+          </p:cNvPicPr>
+          <p:nvPr/>
+        </p:nvPicPr>
+        <p:blipFill>
+          <a:blip r:embed="rId2"/>
+          <a:stretch>
+            <a:fillRect/>
+          </a:stretch>
+        </p:blipFill>
+        <p:spPr>
+          <a:xfrm>
+            <a:off x="286326" y="1226695"/>
+            <a:ext cx="7281818" cy="3105160"/>
+          </a:xfrm>
+          <a:prstGeom prst="rect">
+            <a:avLst/>
+          </a:prstGeom>
+        </p:spPr>
+      </p:pic>
+      <p:sp>
+        <p:nvSpPr>
+          <p:cNvPr id="9" name="TextBox 8">
+            <a:extLst>
+              <a:ext uri="{FF2B5EF4-FFF2-40B4-BE49-F238E27FC236}">
+                <a16:creationId xmlns:a16="http://schemas.microsoft.com/office/drawing/2014/main" id="{4950B5C0-F181-046D-266D-6B86ECE9B106}"/>
+              </a:ext>
+            </a:extLst>
+          </p:cNvPr>
+          <p:cNvSpPr txBox="1"/>
+          <p:nvPr/>
+        </p:nvSpPr>
+        <p:spPr>
+          <a:xfrm>
+            <a:off x="8100291" y="1819564"/>
+            <a:ext cx="3648364" cy="3693319"/>
+          </a:xfrm>
+          <a:prstGeom prst="rect">
+            <a:avLst/>
+          </a:prstGeom>
+          <a:noFill/>
+        </p:spPr>
+        <p:txBody>
+          <a:bodyPr wrap="square" rtlCol="0">
+            <a:spAutoFit/>
+          </a:bodyPr>
+          <a:lstStyle/>
+          <a:p>
+            <a:r>
+              <a:rPr lang="ru-RU" dirty="0"/>
+              <a:t>Замечено, что если </a:t>
+            </a:r>
+            <a:r>
+              <a:rPr lang="en-US" dirty="0"/>
+              <a:t>VK </a:t>
+            </a:r>
+            <a:r>
+              <a:rPr lang="ru-RU" dirty="0"/>
+              <a:t>равномерно тратился на рекламу каждый день, то </a:t>
+            </a:r>
+            <a:r>
+              <a:rPr lang="en-US" dirty="0"/>
+              <a:t>Yandex </a:t>
+            </a:r>
+            <a:r>
+              <a:rPr lang="ru-RU" dirty="0"/>
+              <a:t>не проводил рекламную политику со 2 по 12 июня, что привело к отсутствию переходов по соответствующему каналу в промежуток времени с 05 по 11 июня. </a:t>
+            </a:r>
+            <a:r>
+              <a:rPr lang="en-US" dirty="0"/>
+              <a:t>VK </a:t>
+            </a:r>
+            <a:r>
+              <a:rPr lang="ru-RU" dirty="0"/>
+              <a:t>в эти даты перетянул потенциальных клиентов на себя.</a:t>
+            </a:r>
+          </a:p>
+          <a:p>
+            <a:endParaRPr lang="ru-RU" dirty="0"/>
+          </a:p>
+          <a:p>
+            <a:r>
+              <a:rPr lang="ru-RU" dirty="0"/>
+              <a:t>Это ещё раз доказывает важность проведения полноценных и стабильных рекламных компаний</a:t>
+            </a:r>
+            <a:endParaRPr lang="en-US" dirty="0"/>
+          </a:p>
+        </p:txBody>
+      </p:sp>
+      <p:pic>
+        <p:nvPicPr>
+          <p:cNvPr id="13" name="Рисунок 12">
+            <a:extLst>
+              <a:ext uri="{FF2B5EF4-FFF2-40B4-BE49-F238E27FC236}">
+                <a16:creationId xmlns:a16="http://schemas.microsoft.com/office/drawing/2014/main" id="{B71D49FF-8583-8843-BFA0-1648EB23B7F5}"/>
+              </a:ext>
+            </a:extLst>
+          </p:cNvPr>
+          <p:cNvPicPr>
+            <a:picLocks noChangeAspect="1"/>
+          </p:cNvPicPr>
+          <p:nvPr/>
+        </p:nvPicPr>
+        <p:blipFill>
+          <a:blip r:embed="rId3"/>
+          <a:stretch>
+            <a:fillRect/>
+          </a:stretch>
+        </p:blipFill>
+        <p:spPr>
+          <a:xfrm>
+            <a:off x="340152" y="4689947"/>
+            <a:ext cx="7227992" cy="1546024"/>
+          </a:xfrm>
+          <a:prstGeom prst="rect">
+            <a:avLst/>
+          </a:prstGeom>
+        </p:spPr>
+      </p:pic>
+      <p:sp>
+        <p:nvSpPr>
+          <p:cNvPr id="2" name="Прямоугольник 1">
+            <a:extLst>
+              <a:ext uri="{FF2B5EF4-FFF2-40B4-BE49-F238E27FC236}">
+                <a16:creationId xmlns:a16="http://schemas.microsoft.com/office/drawing/2014/main" id="{D85B2DAC-5739-58D7-0CAE-847E1F050FC0}"/>
+              </a:ext>
+            </a:extLst>
+          </p:cNvPr>
+          <p:cNvSpPr/>
+          <p:nvPr/>
+        </p:nvSpPr>
+        <p:spPr>
+          <a:xfrm>
+            <a:off x="3990109" y="4886036"/>
+            <a:ext cx="775855" cy="831273"/>
+          </a:xfrm>
+          <a:prstGeom prst="rect">
+            <a:avLst/>
+          </a:prstGeom>
+          <a:noFill/>
+          <a:ln>
+            <a:solidFill>
+              <a:srgbClr val="FF0000"/>
+            </a:solidFill>
+            <a:prstDash val="sysDot"/>
+          </a:ln>
+        </p:spPr>
+        <p:style>
+          <a:lnRef idx="2">
+            <a:schemeClr val="accent1">
+              <a:shade val="15000"/>
+            </a:schemeClr>
+          </a:lnRef>
+          <a:fillRef idx="1">
+            <a:schemeClr val="accent1"/>
+          </a:fillRef>
+          <a:effectRef idx="0">
+            <a:schemeClr val="accent1"/>
+          </a:effectRef>
+          <a:fontRef idx="minor">
+            <a:schemeClr val="lt1"/>
+          </a:fontRef>
+        </p:style>
+        <p:txBody>
+          <a:bodyPr rtlCol="0" anchor="ctr"/>
+          <a:lstStyle/>
+          <a:p>
+            <a:pPr algn="ctr"/>
+            <a:endParaRPr lang="en-US"/>
+          </a:p>
+        </p:txBody>
+      </p:sp>
+    </p:spTree>
+    <p:extLst>
+      <p:ext uri="{BB962C8B-B14F-4D97-AF65-F5344CB8AC3E}">
+        <p14:creationId xmlns:p14="http://schemas.microsoft.com/office/powerpoint/2010/main" val="1028857470"/>
+      </p:ext>
+    </p:extLst>
+  </p:cSld>
+  <p:clrMapOvr>
+    <a:masterClrMapping/>
+  </p:clrMapOvr>
+</p:sld>
+</file>
+
+<file path=ppt/slides/slide8.xml><?xml version="1.0" encoding="utf-8"?>
+<p:sld xmlns:a="http://schemas.openxmlformats.org/drawingml/2006/main" xmlns:r="http://schemas.openxmlformats.org/officeDocument/2006/relationships" xmlns:p="http://schemas.openxmlformats.org/presentationml/2006/main">
+  <p:cSld>
+    <p:spTree>
+      <p:nvGrpSpPr>
+        <p:cNvPr id="1" name=""/>
+        <p:cNvGrpSpPr/>
+        <p:nvPr/>
+      </p:nvGrpSpPr>
+      <p:grpSpPr>
+        <a:xfrm>
+          <a:off x="0" y="0"/>
+          <a:ext cx="0" cy="0"/>
+          <a:chOff x="0" y="0"/>
+          <a:chExt cx="0" cy="0"/>
+        </a:xfrm>
+      </p:grpSpPr>
+      <p:sp>
+        <p:nvSpPr>
+          <p:cNvPr id="4" name="Заголовок 1">
+            <a:extLst>
+              <a:ext uri="{FF2B5EF4-FFF2-40B4-BE49-F238E27FC236}">
+                <a16:creationId xmlns:a16="http://schemas.microsoft.com/office/drawing/2014/main" id="{52BA76B5-1237-7482-6528-08CCA8E623CB}"/>
+              </a:ext>
+            </a:extLst>
+          </p:cNvPr>
+          <p:cNvSpPr txBox="1">
+            <a:spLocks/>
+          </p:cNvSpPr>
+          <p:nvPr/>
+        </p:nvSpPr>
+        <p:spPr>
+          <a:xfrm>
+            <a:off x="614217" y="236055"/>
+            <a:ext cx="10515600" cy="1325563"/>
+          </a:xfrm>
+          <a:prstGeom prst="rect">
+            <a:avLst/>
+          </a:prstGeom>
+        </p:spPr>
+        <p:txBody>
+          <a:bodyPr vert="horz" lIns="91440" tIns="45720" rIns="91440" bIns="45720" rtlCol="0" anchor="ctr">
+            <a:normAutofit/>
+          </a:bodyPr>
+          <a:lstStyle>
+            <a:lvl1pPr algn="l" defTabSz="914400" rtl="0" eaLnBrk="1" latinLnBrk="0" hangingPunct="1">
+              <a:lnSpc>
+                <a:spcPct val="90000"/>
+              </a:lnSpc>
+              <a:spcBef>
+                <a:spcPct val="0"/>
+              </a:spcBef>
+              <a:buNone/>
+              <a:defRPr sz="4400" kern="1200">
+                <a:solidFill>
+                  <a:schemeClr val="tx1"/>
+                </a:solidFill>
+                <a:latin typeface="+mj-lt"/>
+                <a:ea typeface="+mj-ea"/>
+                <a:cs typeface="+mj-cs"/>
+              </a:defRPr>
+            </a:lvl1pPr>
+          </a:lstStyle>
+          <a:p>
+            <a:r>
+              <a:rPr lang="ru-RU" sz="2800" dirty="0"/>
+              <a:t>Ссылка на </a:t>
+            </a:r>
+            <a:r>
+              <a:rPr lang="ru-RU" sz="2800" dirty="0" err="1"/>
+              <a:t>дашборд</a:t>
+            </a:r>
+            <a:endParaRPr lang="ru-RU" sz="2800" dirty="0"/>
+          </a:p>
+        </p:txBody>
+      </p:sp>
+      <p:sp>
+        <p:nvSpPr>
+          <p:cNvPr id="2" name="TextBox 1">
+            <a:extLst>
+              <a:ext uri="{FF2B5EF4-FFF2-40B4-BE49-F238E27FC236}">
+                <a16:creationId xmlns:a16="http://schemas.microsoft.com/office/drawing/2014/main" id="{7BDC074F-0185-2679-65C2-7A1E02665DB5}"/>
+              </a:ext>
+            </a:extLst>
+          </p:cNvPr>
+          <p:cNvSpPr txBox="1"/>
+          <p:nvPr/>
+        </p:nvSpPr>
+        <p:spPr>
+          <a:xfrm>
+            <a:off x="1256145" y="2974109"/>
+            <a:ext cx="9661237" cy="646331"/>
+          </a:xfrm>
+          <a:prstGeom prst="rect">
+            <a:avLst/>
+          </a:prstGeom>
+          <a:noFill/>
+        </p:spPr>
+        <p:txBody>
+          <a:bodyPr wrap="square" rtlCol="0">
+            <a:spAutoFit/>
+          </a:bodyPr>
+          <a:lstStyle/>
+          <a:p>
+            <a:r>
+              <a:rPr lang="en-US" dirty="0"/>
+              <a:t>https://92c13067.us1a.app.preset.io/superset/dashboard/10/?native_filters_key=cPEanODKgtbPltQ3BhSCtieSvcWC8Wys7tAAxawU98qbTr-l-y6ECNd7WE0caYXR</a:t>
+            </a:r>
+          </a:p>
+        </p:txBody>
+      </p:sp>
+    </p:spTree>
+    <p:extLst>
+      <p:ext uri="{BB962C8B-B14F-4D97-AF65-F5344CB8AC3E}">
+        <p14:creationId xmlns:p14="http://schemas.microsoft.com/office/powerpoint/2010/main" val="2202083093"/>
       </p:ext>
     </p:extLst>
   </p:cSld>

--- a/presentation.pptx
+++ b/presentation.pptx
@@ -268,7 +268,7 @@
           <a:p>
             <a:fld id="{5E98E50B-2085-4514-ACB4-E28DA5C30080}" type="datetimeFigureOut">
               <a:rPr lang="en-US" smtClean="0"/>
-              <a:t>10/31/2023</a:t>
+              <a:t>11/2/2023</a:t>
             </a:fld>
             <a:endParaRPr lang="en-US"/>
           </a:p>
@@ -468,7 +468,7 @@
           <a:p>
             <a:fld id="{5E98E50B-2085-4514-ACB4-E28DA5C30080}" type="datetimeFigureOut">
               <a:rPr lang="en-US" smtClean="0"/>
-              <a:t>10/31/2023</a:t>
+              <a:t>11/2/2023</a:t>
             </a:fld>
             <a:endParaRPr lang="en-US"/>
           </a:p>
@@ -678,7 +678,7 @@
           <a:p>
             <a:fld id="{5E98E50B-2085-4514-ACB4-E28DA5C30080}" type="datetimeFigureOut">
               <a:rPr lang="en-US" smtClean="0"/>
-              <a:t>10/31/2023</a:t>
+              <a:t>11/2/2023</a:t>
             </a:fld>
             <a:endParaRPr lang="en-US"/>
           </a:p>
@@ -878,7 +878,7 @@
           <a:p>
             <a:fld id="{5E98E50B-2085-4514-ACB4-E28DA5C30080}" type="datetimeFigureOut">
               <a:rPr lang="en-US" smtClean="0"/>
-              <a:t>10/31/2023</a:t>
+              <a:t>11/2/2023</a:t>
             </a:fld>
             <a:endParaRPr lang="en-US"/>
           </a:p>
@@ -1154,7 +1154,7 @@
           <a:p>
             <a:fld id="{5E98E50B-2085-4514-ACB4-E28DA5C30080}" type="datetimeFigureOut">
               <a:rPr lang="en-US" smtClean="0"/>
-              <a:t>10/31/2023</a:t>
+              <a:t>11/2/2023</a:t>
             </a:fld>
             <a:endParaRPr lang="en-US"/>
           </a:p>
@@ -1422,7 +1422,7 @@
           <a:p>
             <a:fld id="{5E98E50B-2085-4514-ACB4-E28DA5C30080}" type="datetimeFigureOut">
               <a:rPr lang="en-US" smtClean="0"/>
-              <a:t>10/31/2023</a:t>
+              <a:t>11/2/2023</a:t>
             </a:fld>
             <a:endParaRPr lang="en-US"/>
           </a:p>
@@ -1837,7 +1837,7 @@
           <a:p>
             <a:fld id="{5E98E50B-2085-4514-ACB4-E28DA5C30080}" type="datetimeFigureOut">
               <a:rPr lang="en-US" smtClean="0"/>
-              <a:t>10/31/2023</a:t>
+              <a:t>11/2/2023</a:t>
             </a:fld>
             <a:endParaRPr lang="en-US"/>
           </a:p>
@@ -1979,7 +1979,7 @@
           <a:p>
             <a:fld id="{5E98E50B-2085-4514-ACB4-E28DA5C30080}" type="datetimeFigureOut">
               <a:rPr lang="en-US" smtClean="0"/>
-              <a:t>10/31/2023</a:t>
+              <a:t>11/2/2023</a:t>
             </a:fld>
             <a:endParaRPr lang="en-US"/>
           </a:p>
@@ -2092,7 +2092,7 @@
           <a:p>
             <a:fld id="{5E98E50B-2085-4514-ACB4-E28DA5C30080}" type="datetimeFigureOut">
               <a:rPr lang="en-US" smtClean="0"/>
-              <a:t>10/31/2023</a:t>
+              <a:t>11/2/2023</a:t>
             </a:fld>
             <a:endParaRPr lang="en-US"/>
           </a:p>
@@ -2405,7 +2405,7 @@
           <a:p>
             <a:fld id="{5E98E50B-2085-4514-ACB4-E28DA5C30080}" type="datetimeFigureOut">
               <a:rPr lang="en-US" smtClean="0"/>
-              <a:t>10/31/2023</a:t>
+              <a:t>11/2/2023</a:t>
             </a:fld>
             <a:endParaRPr lang="en-US"/>
           </a:p>
@@ -2694,7 +2694,7 @@
           <a:p>
             <a:fld id="{5E98E50B-2085-4514-ACB4-E28DA5C30080}" type="datetimeFigureOut">
               <a:rPr lang="en-US" smtClean="0"/>
-              <a:t>10/31/2023</a:t>
+              <a:t>11/2/2023</a:t>
             </a:fld>
             <a:endParaRPr lang="en-US"/>
           </a:p>
@@ -2937,7 +2937,7 @@
           <a:p>
             <a:fld id="{5E98E50B-2085-4514-ACB4-E28DA5C30080}" type="datetimeFigureOut">
               <a:rPr lang="en-US" smtClean="0"/>
-              <a:t>10/31/2023</a:t>
+              <a:t>11/2/2023</a:t>
             </a:fld>
             <a:endParaRPr lang="en-US"/>
           </a:p>
@@ -5832,7 +5832,7 @@
           <a:p>
             <a:r>
               <a:rPr lang="en-US" dirty="0"/>
-              <a:t>https://92c13067.us1a.app.preset.io/superset/dashboard/10/?native_filters_key=cPEanODKgtbPltQ3BhSCtieSvcWC8Wys7tAAxawU98qbTr-l-y6ECNd7WE0caYXR</a:t>
+              <a:t>https://92c13067.us1a.app.preset.io/superset/dashboard/10/?native_filters_key=HXHwFocjhaJ5ni8rM3aW057fxJvGWyhrvmIKXfg-2oysH0mTSgjrwTqG8hTAM5is</a:t>
             </a:r>
           </a:p>
         </p:txBody>

--- a/presentation.pptx
+++ b/presentation.pptx
@@ -5576,7 +5576,7 @@
         <p:spPr>
           <a:xfrm>
             <a:off x="8100291" y="1819564"/>
-            <a:ext cx="3648364" cy="3693319"/>
+            <a:ext cx="3648364" cy="3970318"/>
           </a:xfrm>
           <a:prstGeom prst="rect">
             <a:avLst/>
@@ -5607,7 +5607,15 @@
             </a:r>
             <a:r>
               <a:rPr lang="ru-RU" dirty="0"/>
-              <a:t>не проводил рекламную политику со 2 по 12 июня, что привело к отсутствию переходов по соответствующему каналу в промежуток времени с 05 по 11 июня. </a:t>
+              <a:t>не проводил рекламную политику со 2 по 12 июня, что привело к</a:t>
+            </a:r>
+            <a:r>
+              <a:rPr lang="en-US" dirty="0"/>
+              <a:t> </a:t>
+            </a:r>
+            <a:r>
+              <a:rPr lang="ru-RU" dirty="0"/>
+              <a:t>почти полному отсутствию переходов по соответствующему каналу в промежуток времени с 05 по 11 июня. </a:t>
             </a:r>
             <a:r>
               <a:rPr lang="en-US" dirty="0"/>
@@ -5630,36 +5638,6 @@
           </a:p>
         </p:txBody>
       </p:sp>
-      <p:pic>
-        <p:nvPicPr>
-          <p:cNvPr id="13" name="Рисунок 12">
-            <a:extLst>
-              <a:ext uri="{FF2B5EF4-FFF2-40B4-BE49-F238E27FC236}">
-                <a16:creationId xmlns:a16="http://schemas.microsoft.com/office/drawing/2014/main" id="{B71D49FF-8583-8843-BFA0-1648EB23B7F5}"/>
-              </a:ext>
-            </a:extLst>
-          </p:cNvPr>
-          <p:cNvPicPr>
-            <a:picLocks noChangeAspect="1"/>
-          </p:cNvPicPr>
-          <p:nvPr/>
-        </p:nvPicPr>
-        <p:blipFill>
-          <a:blip r:embed="rId3"/>
-          <a:stretch>
-            <a:fillRect/>
-          </a:stretch>
-        </p:blipFill>
-        <p:spPr>
-          <a:xfrm>
-            <a:off x="340152" y="4689947"/>
-            <a:ext cx="7227992" cy="1546024"/>
-          </a:xfrm>
-          <a:prstGeom prst="rect">
-            <a:avLst/>
-          </a:prstGeom>
-        </p:spPr>
-      </p:pic>
       <p:sp>
         <p:nvSpPr>
           <p:cNvPr id="2" name="Прямоугольник 1">
@@ -5686,6 +5664,89 @@
               <a:srgbClr val="FF0000"/>
             </a:solidFill>
             <a:prstDash val="sysDot"/>
+          </a:ln>
+        </p:spPr>
+        <p:style>
+          <a:lnRef idx="2">
+            <a:schemeClr val="accent1">
+              <a:shade val="15000"/>
+            </a:schemeClr>
+          </a:lnRef>
+          <a:fillRef idx="1">
+            <a:schemeClr val="accent1"/>
+          </a:fillRef>
+          <a:effectRef idx="0">
+            <a:schemeClr val="accent1"/>
+          </a:effectRef>
+          <a:fontRef idx="minor">
+            <a:schemeClr val="lt1"/>
+          </a:fontRef>
+        </p:style>
+        <p:txBody>
+          <a:bodyPr rtlCol="0" anchor="ctr"/>
+          <a:lstStyle/>
+          <a:p>
+            <a:pPr algn="ctr"/>
+            <a:endParaRPr lang="en-US"/>
+          </a:p>
+        </p:txBody>
+      </p:sp>
+      <p:pic>
+        <p:nvPicPr>
+          <p:cNvPr id="5" name="Рисунок 4">
+            <a:extLst>
+              <a:ext uri="{FF2B5EF4-FFF2-40B4-BE49-F238E27FC236}">
+                <a16:creationId xmlns:a16="http://schemas.microsoft.com/office/drawing/2014/main" id="{BA882956-C09A-62F3-FE48-4B3B06C19BEC}"/>
+              </a:ext>
+            </a:extLst>
+          </p:cNvPr>
+          <p:cNvPicPr>
+            <a:picLocks noChangeAspect="1"/>
+          </p:cNvPicPr>
+          <p:nvPr/>
+        </p:nvPicPr>
+        <p:blipFill>
+          <a:blip r:embed="rId3"/>
+          <a:stretch>
+            <a:fillRect/>
+          </a:stretch>
+        </p:blipFill>
+        <p:spPr>
+          <a:xfrm>
+            <a:off x="286325" y="4477341"/>
+            <a:ext cx="7269917" cy="1877277"/>
+          </a:xfrm>
+          <a:prstGeom prst="rect">
+            <a:avLst/>
+          </a:prstGeom>
+        </p:spPr>
+      </p:pic>
+      <p:sp>
+        <p:nvSpPr>
+          <p:cNvPr id="7" name="Прямоугольник 6">
+            <a:extLst>
+              <a:ext uri="{FF2B5EF4-FFF2-40B4-BE49-F238E27FC236}">
+                <a16:creationId xmlns:a16="http://schemas.microsoft.com/office/drawing/2014/main" id="{0D65A68B-102E-87C9-8D9F-12EE9170A4E5}"/>
+              </a:ext>
+            </a:extLst>
+          </p:cNvPr>
+          <p:cNvSpPr/>
+          <p:nvPr/>
+        </p:nvSpPr>
+        <p:spPr>
+          <a:xfrm>
+            <a:off x="2854035" y="4738255"/>
+            <a:ext cx="932873" cy="979054"/>
+          </a:xfrm>
+          <a:prstGeom prst="rect">
+            <a:avLst/>
+          </a:prstGeom>
+          <a:noFill/>
+          <a:ln>
+            <a:solidFill>
+              <a:srgbClr val="FF0000"/>
+            </a:solidFill>
+            <a:prstDash val="dash"/>
           </a:ln>
         </p:spPr>
         <p:style>
